--- a/nodejs sync mongodb-cluster.pptx
+++ b/nodejs sync mongodb-cluster.pptx
@@ -207,7 +207,7 @@
             <a:fld id="{629B454C-F3CF-491C-ADB1-2C0FBAEC7C1A}" type="datetimeFigureOut">
               <a:rPr lang="zh-CN" altLang="en-US" smtClean="0"/>
               <a:pPr/>
-              <a:t>2012-4-24</a:t>
+              <a:t>2012-4-25</a:t>
             </a:fld>
             <a:endParaRPr lang="zh-CN" altLang="en-US"/>
           </a:p>
@@ -655,7 +655,7 @@
             <a:fld id="{530820CF-B880-4189-942D-D702A7CBA730}" type="datetimeFigureOut">
               <a:rPr lang="zh-CN" altLang="en-US" smtClean="0"/>
               <a:pPr/>
-              <a:t>2012-4-24</a:t>
+              <a:t>2012-4-25</a:t>
             </a:fld>
             <a:endParaRPr lang="zh-CN" altLang="en-US"/>
           </a:p>
@@ -822,7 +822,7 @@
             <a:fld id="{530820CF-B880-4189-942D-D702A7CBA730}" type="datetimeFigureOut">
               <a:rPr lang="zh-CN" altLang="en-US" smtClean="0"/>
               <a:pPr/>
-              <a:t>2012-4-24</a:t>
+              <a:t>2012-4-25</a:t>
             </a:fld>
             <a:endParaRPr lang="zh-CN" altLang="en-US"/>
           </a:p>
@@ -999,7 +999,7 @@
             <a:fld id="{530820CF-B880-4189-942D-D702A7CBA730}" type="datetimeFigureOut">
               <a:rPr lang="zh-CN" altLang="en-US" smtClean="0"/>
               <a:pPr/>
-              <a:t>2012-4-24</a:t>
+              <a:t>2012-4-25</a:t>
             </a:fld>
             <a:endParaRPr lang="zh-CN" altLang="en-US"/>
           </a:p>
@@ -1166,7 +1166,7 @@
             <a:fld id="{530820CF-B880-4189-942D-D702A7CBA730}" type="datetimeFigureOut">
               <a:rPr lang="zh-CN" altLang="en-US" smtClean="0"/>
               <a:pPr/>
-              <a:t>2012-4-24</a:t>
+              <a:t>2012-4-25</a:t>
             </a:fld>
             <a:endParaRPr lang="zh-CN" altLang="en-US"/>
           </a:p>
@@ -1409,7 +1409,7 @@
             <a:fld id="{530820CF-B880-4189-942D-D702A7CBA730}" type="datetimeFigureOut">
               <a:rPr lang="zh-CN" altLang="en-US" smtClean="0"/>
               <a:pPr/>
-              <a:t>2012-4-24</a:t>
+              <a:t>2012-4-25</a:t>
             </a:fld>
             <a:endParaRPr lang="zh-CN" altLang="en-US"/>
           </a:p>
@@ -1694,7 +1694,7 @@
             <a:fld id="{530820CF-B880-4189-942D-D702A7CBA730}" type="datetimeFigureOut">
               <a:rPr lang="zh-CN" altLang="en-US" smtClean="0"/>
               <a:pPr/>
-              <a:t>2012-4-24</a:t>
+              <a:t>2012-4-25</a:t>
             </a:fld>
             <a:endParaRPr lang="zh-CN" altLang="en-US"/>
           </a:p>
@@ -2113,7 +2113,7 @@
             <a:fld id="{530820CF-B880-4189-942D-D702A7CBA730}" type="datetimeFigureOut">
               <a:rPr lang="zh-CN" altLang="en-US" smtClean="0"/>
               <a:pPr/>
-              <a:t>2012-4-24</a:t>
+              <a:t>2012-4-25</a:t>
             </a:fld>
             <a:endParaRPr lang="zh-CN" altLang="en-US"/>
           </a:p>
@@ -2228,7 +2228,7 @@
             <a:fld id="{530820CF-B880-4189-942D-D702A7CBA730}" type="datetimeFigureOut">
               <a:rPr lang="zh-CN" altLang="en-US" smtClean="0"/>
               <a:pPr/>
-              <a:t>2012-4-24</a:t>
+              <a:t>2012-4-25</a:t>
             </a:fld>
             <a:endParaRPr lang="zh-CN" altLang="en-US"/>
           </a:p>
@@ -2320,7 +2320,7 @@
             <a:fld id="{530820CF-B880-4189-942D-D702A7CBA730}" type="datetimeFigureOut">
               <a:rPr lang="zh-CN" altLang="en-US" smtClean="0"/>
               <a:pPr/>
-              <a:t>2012-4-24</a:t>
+              <a:t>2012-4-25</a:t>
             </a:fld>
             <a:endParaRPr lang="zh-CN" altLang="en-US"/>
           </a:p>
@@ -2594,7 +2594,7 @@
             <a:fld id="{530820CF-B880-4189-942D-D702A7CBA730}" type="datetimeFigureOut">
               <a:rPr lang="zh-CN" altLang="en-US" smtClean="0"/>
               <a:pPr/>
-              <a:t>2012-4-24</a:t>
+              <a:t>2012-4-25</a:t>
             </a:fld>
             <a:endParaRPr lang="zh-CN" altLang="en-US"/>
           </a:p>
@@ -2844,7 +2844,7 @@
             <a:fld id="{530820CF-B880-4189-942D-D702A7CBA730}" type="datetimeFigureOut">
               <a:rPr lang="zh-CN" altLang="en-US" smtClean="0"/>
               <a:pPr/>
-              <a:t>2012-4-24</a:t>
+              <a:t>2012-4-25</a:t>
             </a:fld>
             <a:endParaRPr lang="zh-CN" altLang="en-US"/>
           </a:p>
@@ -3059,7 +3059,7 @@
             <a:fld id="{530820CF-B880-4189-942D-D702A7CBA730}" type="datetimeFigureOut">
               <a:rPr lang="zh-CN" altLang="en-US" smtClean="0"/>
               <a:pPr/>
-              <a:t>2012-4-24</a:t>
+              <a:t>2012-4-25</a:t>
             </a:fld>
             <a:endParaRPr lang="zh-CN" altLang="en-US"/>
           </a:p>
@@ -7369,11 +7369,7 @@
           <a:p>
             <a:r>
               <a:rPr lang="en-US" altLang="zh-CN" sz="1400" dirty="0" smtClean="0"/>
-              <a:t>Step1</a:t>
-            </a:r>
-            <a:r>
-              <a:rPr lang="en-US" altLang="zh-CN" sz="1400" dirty="0" smtClean="0"/>
-              <a:t>:</a:t>
+              <a:t>Step1:</a:t>
             </a:r>
             <a:r>
               <a:rPr lang="zh-CN" altLang="en-US" sz="1400" dirty="0" smtClean="0"/>
@@ -7384,11 +7380,7 @@
           <a:p>
             <a:r>
               <a:rPr lang="en-US" altLang="zh-CN" sz="1400" dirty="0" smtClean="0"/>
-              <a:t>Step2</a:t>
-            </a:r>
-            <a:r>
-              <a:rPr lang="en-US" altLang="zh-CN" sz="1400" dirty="0" smtClean="0"/>
-              <a:t>:</a:t>
+              <a:t>Step2:</a:t>
             </a:r>
             <a:r>
               <a:rPr lang="zh-CN" altLang="en-US" sz="1400" dirty="0" smtClean="0"/>
@@ -8211,7 +8203,6 @@
               <a:rPr lang="en-US" altLang="zh-CN" dirty="0" smtClean="0"/>
               <a:t>Step6</a:t>
             </a:r>
-            <a:endParaRPr lang="en-US" altLang="zh-CN" dirty="0" smtClean="0"/>
           </a:p>
         </p:txBody>
       </p:sp>
@@ -8533,7 +8524,7 @@
         <p:spPr/>
         <p:txBody>
           <a:bodyPr>
-            <a:normAutofit lnSpcReduction="10000"/>
+            <a:normAutofit/>
           </a:bodyPr>
           <a:lstStyle/>
           <a:p>
@@ -8602,44 +8593,17 @@
             </a:r>
             <a:r>
               <a:rPr lang="zh-CN" altLang="en-US" dirty="0" smtClean="0"/>
-              <a:t>事件也会收到这段</a:t>
-            </a:r>
-            <a:r>
-              <a:rPr lang="zh-CN" altLang="en-US" dirty="0" smtClean="0"/>
+              <a:t>事件也会收到这</a:t>
+            </a:r>
+            <a:r>
+              <a:rPr lang="zh-CN" altLang="en-US" smtClean="0"/>
+              <a:t>段</a:t>
+            </a:r>
+            <a:r>
+              <a:rPr lang="zh-CN" altLang="en-US" smtClean="0"/>
               <a:t>内容</a:t>
             </a:r>
             <a:endParaRPr lang="en-US" altLang="zh-CN" dirty="0" smtClean="0"/>
-          </a:p>
-          <a:p>
-            <a:r>
-              <a:rPr lang="zh-CN" altLang="en-US" dirty="0" smtClean="0"/>
-              <a:t>在同步中，有新数据发生的时候</a:t>
-            </a:r>
-            <a:r>
-              <a:rPr lang="zh-CN" altLang="en-US" dirty="0" smtClean="0"/>
-              <a:t>，有几率出现</a:t>
-            </a:r>
-            <a:r>
-              <a:rPr lang="zh-CN" altLang="en-US" dirty="0" smtClean="0"/>
-              <a:t>重复发送多组同样记录的</a:t>
-            </a:r>
-            <a:r>
-              <a:rPr lang="zh-CN" altLang="en-US" dirty="0" smtClean="0"/>
-              <a:t>情况，导致从机解析协议出现问题，</a:t>
-            </a:r>
-            <a:r>
-              <a:rPr lang="en-US" altLang="zh-CN" dirty="0" smtClean="0"/>
-              <a:t>bug</a:t>
-            </a:r>
-            <a:r>
-              <a:rPr lang="zh-CN" altLang="en-US" dirty="0" smtClean="0"/>
-              <a:t>，待</a:t>
-            </a:r>
-            <a:r>
-              <a:rPr lang="zh-CN" altLang="en-US" dirty="0" smtClean="0"/>
-              <a:t>解决</a:t>
-            </a:r>
-            <a:endParaRPr lang="zh-CN" altLang="en-US" dirty="0"/>
           </a:p>
         </p:txBody>
       </p:sp>
@@ -9161,15 +9125,7 @@
             </a:r>
             <a:r>
               <a:rPr lang="zh-CN" altLang="en-US" dirty="0" smtClean="0"/>
-              <a:t>的新版本中有这样的支持，那么是最好的</a:t>
-            </a:r>
-            <a:r>
-              <a:rPr lang="zh-CN" altLang="en-US" dirty="0" smtClean="0"/>
-              <a:t>解决途径。</a:t>
-            </a:r>
-            <a:r>
-              <a:rPr lang="zh-CN" altLang="en-US" dirty="0" smtClean="0"/>
-              <a:t>期待</a:t>
+              <a:t>的新版本中有这样的支持，那么是最好的解决途径。期待</a:t>
             </a:r>
             <a:r>
               <a:rPr lang="en-US" altLang="zh-CN" dirty="0" err="1" smtClean="0"/>
@@ -9320,22 +9276,14 @@
             </a:r>
             <a:r>
               <a:rPr lang="zh-CN" altLang="en-US" dirty="0" smtClean="0"/>
-              <a:t>表中记录了的操作可以用来进行数据同步，当上次同步异常未完全同步</a:t>
-            </a:r>
+              <a:t>表中记录了的操作可以用来进行数据同步，当上次同步异常未完全同步，可覆盖操作而无影响</a:t>
+            </a:r>
+            <a:endParaRPr lang="en-US" dirty="0" smtClean="0"/>
+          </a:p>
+          <a:p>
             <a:r>
               <a:rPr lang="zh-CN" altLang="en-US" dirty="0" smtClean="0"/>
-              <a:t>，可覆盖操作而无影响</a:t>
-            </a:r>
-            <a:endParaRPr lang="en-US" dirty="0" smtClean="0"/>
-          </a:p>
-          <a:p>
-            <a:r>
-              <a:rPr lang="zh-CN" altLang="en-US" dirty="0" smtClean="0"/>
-              <a:t>每个扩展的连接点都应该有自己唯一的明码密钥进行身份</a:t>
-            </a:r>
-            <a:r>
-              <a:rPr lang="zh-CN" altLang="en-US" dirty="0" smtClean="0"/>
-              <a:t>认证</a:t>
+              <a:t>每个扩展的连接点都应该有自己唯一的明码密钥进行身份认证</a:t>
             </a:r>
             <a:endParaRPr lang="en-US" altLang="zh-CN" dirty="0" smtClean="0"/>
           </a:p>

--- a/nodejs sync mongodb-cluster.pptx
+++ b/nodejs sync mongodb-cluster.pptx
@@ -5,7 +5,7 @@
     <p:sldMasterId id="2147483648" r:id="rId1"/>
   </p:sldMasterIdLst>
   <p:notesMasterIdLst>
-    <p:notesMasterId r:id="rId17"/>
+    <p:notesMasterId r:id="rId18"/>
   </p:notesMasterIdLst>
   <p:sldIdLst>
     <p:sldId id="257" r:id="rId2"/>
@@ -18,11 +18,12 @@
     <p:sldId id="262" r:id="rId9"/>
     <p:sldId id="267" r:id="rId10"/>
     <p:sldId id="256" r:id="rId11"/>
-    <p:sldId id="269" r:id="rId12"/>
-    <p:sldId id="271" r:id="rId13"/>
-    <p:sldId id="260" r:id="rId14"/>
-    <p:sldId id="261" r:id="rId15"/>
-    <p:sldId id="270" r:id="rId16"/>
+    <p:sldId id="272" r:id="rId12"/>
+    <p:sldId id="269" r:id="rId13"/>
+    <p:sldId id="271" r:id="rId14"/>
+    <p:sldId id="260" r:id="rId15"/>
+    <p:sldId id="261" r:id="rId16"/>
+    <p:sldId id="270" r:id="rId17"/>
   </p:sldIdLst>
   <p:sldSz cx="9144000" cy="6858000" type="screen4x3"/>
   <p:notesSz cx="6858000" cy="9144000"/>
@@ -207,7 +208,7 @@
             <a:fld id="{629B454C-F3CF-491C-ADB1-2C0FBAEC7C1A}" type="datetimeFigureOut">
               <a:rPr lang="zh-CN" altLang="en-US" smtClean="0"/>
               <a:pPr/>
-              <a:t>2012-4-25</a:t>
+              <a:t>2012-4-27</a:t>
             </a:fld>
             <a:endParaRPr lang="zh-CN" altLang="en-US"/>
           </a:p>
@@ -655,7 +656,7 @@
             <a:fld id="{530820CF-B880-4189-942D-D702A7CBA730}" type="datetimeFigureOut">
               <a:rPr lang="zh-CN" altLang="en-US" smtClean="0"/>
               <a:pPr/>
-              <a:t>2012-4-25</a:t>
+              <a:t>2012-4-27</a:t>
             </a:fld>
             <a:endParaRPr lang="zh-CN" altLang="en-US"/>
           </a:p>
@@ -822,7 +823,7 @@
             <a:fld id="{530820CF-B880-4189-942D-D702A7CBA730}" type="datetimeFigureOut">
               <a:rPr lang="zh-CN" altLang="en-US" smtClean="0"/>
               <a:pPr/>
-              <a:t>2012-4-25</a:t>
+              <a:t>2012-4-27</a:t>
             </a:fld>
             <a:endParaRPr lang="zh-CN" altLang="en-US"/>
           </a:p>
@@ -999,7 +1000,7 @@
             <a:fld id="{530820CF-B880-4189-942D-D702A7CBA730}" type="datetimeFigureOut">
               <a:rPr lang="zh-CN" altLang="en-US" smtClean="0"/>
               <a:pPr/>
-              <a:t>2012-4-25</a:t>
+              <a:t>2012-4-27</a:t>
             </a:fld>
             <a:endParaRPr lang="zh-CN" altLang="en-US"/>
           </a:p>
@@ -1166,7 +1167,7 @@
             <a:fld id="{530820CF-B880-4189-942D-D702A7CBA730}" type="datetimeFigureOut">
               <a:rPr lang="zh-CN" altLang="en-US" smtClean="0"/>
               <a:pPr/>
-              <a:t>2012-4-25</a:t>
+              <a:t>2012-4-27</a:t>
             </a:fld>
             <a:endParaRPr lang="zh-CN" altLang="en-US"/>
           </a:p>
@@ -1409,7 +1410,7 @@
             <a:fld id="{530820CF-B880-4189-942D-D702A7CBA730}" type="datetimeFigureOut">
               <a:rPr lang="zh-CN" altLang="en-US" smtClean="0"/>
               <a:pPr/>
-              <a:t>2012-4-25</a:t>
+              <a:t>2012-4-27</a:t>
             </a:fld>
             <a:endParaRPr lang="zh-CN" altLang="en-US"/>
           </a:p>
@@ -1694,7 +1695,7 @@
             <a:fld id="{530820CF-B880-4189-942D-D702A7CBA730}" type="datetimeFigureOut">
               <a:rPr lang="zh-CN" altLang="en-US" smtClean="0"/>
               <a:pPr/>
-              <a:t>2012-4-25</a:t>
+              <a:t>2012-4-27</a:t>
             </a:fld>
             <a:endParaRPr lang="zh-CN" altLang="en-US"/>
           </a:p>
@@ -2113,7 +2114,7 @@
             <a:fld id="{530820CF-B880-4189-942D-D702A7CBA730}" type="datetimeFigureOut">
               <a:rPr lang="zh-CN" altLang="en-US" smtClean="0"/>
               <a:pPr/>
-              <a:t>2012-4-25</a:t>
+              <a:t>2012-4-27</a:t>
             </a:fld>
             <a:endParaRPr lang="zh-CN" altLang="en-US"/>
           </a:p>
@@ -2228,7 +2229,7 @@
             <a:fld id="{530820CF-B880-4189-942D-D702A7CBA730}" type="datetimeFigureOut">
               <a:rPr lang="zh-CN" altLang="en-US" smtClean="0"/>
               <a:pPr/>
-              <a:t>2012-4-25</a:t>
+              <a:t>2012-4-27</a:t>
             </a:fld>
             <a:endParaRPr lang="zh-CN" altLang="en-US"/>
           </a:p>
@@ -2320,7 +2321,7 @@
             <a:fld id="{530820CF-B880-4189-942D-D702A7CBA730}" type="datetimeFigureOut">
               <a:rPr lang="zh-CN" altLang="en-US" smtClean="0"/>
               <a:pPr/>
-              <a:t>2012-4-25</a:t>
+              <a:t>2012-4-27</a:t>
             </a:fld>
             <a:endParaRPr lang="zh-CN" altLang="en-US"/>
           </a:p>
@@ -2594,7 +2595,7 @@
             <a:fld id="{530820CF-B880-4189-942D-D702A7CBA730}" type="datetimeFigureOut">
               <a:rPr lang="zh-CN" altLang="en-US" smtClean="0"/>
               <a:pPr/>
-              <a:t>2012-4-25</a:t>
+              <a:t>2012-4-27</a:t>
             </a:fld>
             <a:endParaRPr lang="zh-CN" altLang="en-US"/>
           </a:p>
@@ -2844,7 +2845,7 @@
             <a:fld id="{530820CF-B880-4189-942D-D702A7CBA730}" type="datetimeFigureOut">
               <a:rPr lang="zh-CN" altLang="en-US" smtClean="0"/>
               <a:pPr/>
-              <a:t>2012-4-25</a:t>
+              <a:t>2012-4-27</a:t>
             </a:fld>
             <a:endParaRPr lang="zh-CN" altLang="en-US"/>
           </a:p>
@@ -3059,7 +3060,7 @@
             <a:fld id="{530820CF-B880-4189-942D-D702A7CBA730}" type="datetimeFigureOut">
               <a:rPr lang="zh-CN" altLang="en-US" smtClean="0"/>
               <a:pPr/>
-              <a:t>2012-4-25</a:t>
+              <a:t>2012-4-27</a:t>
             </a:fld>
             <a:endParaRPr lang="zh-CN" altLang="en-US"/>
           </a:p>
@@ -3505,7 +3506,7 @@
         </p:spPr>
         <p:txBody>
           <a:bodyPr>
-            <a:normAutofit lnSpcReduction="10000"/>
+            <a:normAutofit/>
           </a:bodyPr>
           <a:lstStyle/>
           <a:p>
@@ -3513,8 +3514,16 @@
               <a:buNone/>
             </a:pPr>
             <a:r>
+              <a:rPr lang="en-US" altLang="zh-CN" dirty="0" smtClean="0"/>
+              <a:t>From</a:t>
+            </a:r>
+            <a:r>
+              <a:rPr lang="zh-CN" altLang="en-US" dirty="0" smtClean="0"/>
+              <a:t>：</a:t>
+            </a:r>
+            <a:r>
               <a:rPr lang="en-US" altLang="zh-CN" dirty="0" err="1" smtClean="0"/>
-              <a:t>Author:samoin</a:t>
+              <a:t>jrjc</a:t>
             </a:r>
             <a:endParaRPr lang="en-US" altLang="zh-CN" dirty="0" smtClean="0"/>
           </a:p>
@@ -3523,20 +3532,18 @@
               <a:buNone/>
             </a:pPr>
             <a:r>
-              <a:rPr lang="en-US" altLang="zh-CN" dirty="0" err="1" smtClean="0"/>
-              <a:t>From:JRJC</a:t>
+              <a:rPr lang="en-US" altLang="zh-CN" dirty="0" smtClean="0"/>
+              <a:t>Date</a:t>
+            </a:r>
+            <a:r>
+              <a:rPr lang="zh-CN" altLang="en-US" dirty="0" smtClean="0"/>
+              <a:t>：</a:t>
+            </a:r>
+            <a:r>
+              <a:rPr lang="en-US" altLang="zh-CN" dirty="0" smtClean="0"/>
+              <a:t>2012-04-27</a:t>
             </a:r>
             <a:endParaRPr lang="en-US" altLang="zh-CN" dirty="0" smtClean="0"/>
-          </a:p>
-          <a:p>
-            <a:pPr lvl="1">
-              <a:buNone/>
-            </a:pPr>
-            <a:r>
-              <a:rPr lang="en-US" altLang="zh-CN" dirty="0" smtClean="0"/>
-              <a:t>Mail:gigi_ly180@sohu.com</a:t>
-            </a:r>
-            <a:endParaRPr lang="zh-CN" altLang="en-US" dirty="0"/>
           </a:p>
         </p:txBody>
       </p:sp>
@@ -8351,7 +8358,7 @@
           <a:p>
             <a:r>
               <a:rPr lang="zh-CN" altLang="en-US" dirty="0" smtClean="0"/>
-              <a:t>进度</a:t>
+              <a:t>延伸应用</a:t>
             </a:r>
             <a:endParaRPr lang="zh-CN" altLang="en-US" dirty="0"/>
           </a:p>
@@ -8374,23 +8381,87 @@
           <a:p>
             <a:r>
               <a:rPr lang="zh-CN" altLang="en-US" dirty="0" smtClean="0"/>
-              <a:t>目前初步完成了</a:t>
-            </a:r>
-            <a:r>
-              <a:rPr lang="en-US" altLang="zh-CN" dirty="0" smtClean="0"/>
-              <a:t>beta</a:t>
+              <a:t>任意的集群节点可以即为主也为从</a:t>
             </a:r>
             <a:r>
               <a:rPr lang="zh-CN" altLang="en-US" dirty="0" smtClean="0"/>
-              <a:t>版本，即</a:t>
-            </a:r>
-            <a:r>
-              <a:rPr lang="en-US" altLang="zh-CN" dirty="0" smtClean="0"/>
-              <a:t>1</a:t>
+              <a:t>，这样可以作为分散</a:t>
             </a:r>
             <a:r>
               <a:rPr lang="zh-CN" altLang="en-US" dirty="0" smtClean="0"/>
-              <a:t>主集群和</a:t>
+              <a:t>主集群的同步和带宽的</a:t>
+            </a:r>
+            <a:r>
+              <a:rPr lang="zh-CN" altLang="en-US" dirty="0" smtClean="0"/>
+              <a:t>压力的一种方法（形成</a:t>
+            </a:r>
+            <a:r>
+              <a:rPr lang="zh-CN" altLang="en-US" dirty="0" smtClean="0"/>
+              <a:t>一条链</a:t>
+            </a:r>
+            <a:r>
+              <a:rPr lang="zh-CN" altLang="en-US" dirty="0" smtClean="0"/>
+              <a:t>网或二叉树）</a:t>
+            </a:r>
+            <a:endParaRPr lang="zh-CN" altLang="en-US" dirty="0"/>
+          </a:p>
+        </p:txBody>
+      </p:sp>
+      <p:sp>
+        <p:nvSpPr>
+          <p:cNvPr id="8" name="TextBox 7"/>
+          <p:cNvSpPr txBox="1"/>
+          <p:nvPr/>
+        </p:nvSpPr>
+        <p:spPr>
+          <a:xfrm>
+            <a:off x="1285852" y="3214686"/>
+            <a:ext cx="415498" cy="369332"/>
+          </a:xfrm>
+          <a:prstGeom prst="rect">
+            <a:avLst/>
+          </a:prstGeom>
+          <a:noFill/>
+        </p:spPr>
+        <p:txBody>
+          <a:bodyPr wrap="none" rtlCol="0">
+            <a:spAutoFit/>
+          </a:bodyPr>
+          <a:lstStyle/>
+          <a:p>
+            <a:r>
+              <a:rPr lang="zh-CN" altLang="en-US" dirty="0" smtClean="0"/>
+              <a:t>主</a:t>
+            </a:r>
+            <a:endParaRPr lang="zh-CN" altLang="en-US" dirty="0"/>
+          </a:p>
+        </p:txBody>
+      </p:sp>
+      <p:sp>
+        <p:nvSpPr>
+          <p:cNvPr id="9" name="TextBox 8"/>
+          <p:cNvSpPr txBox="1"/>
+          <p:nvPr/>
+        </p:nvSpPr>
+        <p:spPr>
+          <a:xfrm>
+            <a:off x="3643306" y="3214686"/>
+            <a:ext cx="998991" cy="369332"/>
+          </a:xfrm>
+          <a:prstGeom prst="rect">
+            <a:avLst/>
+          </a:prstGeom>
+          <a:noFill/>
+        </p:spPr>
+        <p:txBody>
+          <a:bodyPr wrap="none" rtlCol="0">
+            <a:spAutoFit/>
+          </a:bodyPr>
+          <a:lstStyle/>
+          <a:p>
+            <a:r>
+              <a:rPr lang="zh-CN" altLang="en-US" dirty="0" smtClean="0"/>
+              <a:t>从（</a:t>
             </a:r>
             <a:r>
               <a:rPr lang="en-US" altLang="zh-CN" dirty="0" smtClean="0"/>
@@ -8398,76 +8469,2323 @@
             </a:r>
             <a:r>
               <a:rPr lang="zh-CN" altLang="en-US" dirty="0" smtClean="0"/>
-              <a:t>从集群之间同步</a:t>
-            </a:r>
-            <a:endParaRPr lang="en-US" altLang="zh-CN" dirty="0" smtClean="0"/>
-          </a:p>
-          <a:p>
-            <a:r>
-              <a:rPr lang="en-US" altLang="zh-CN" dirty="0" smtClean="0"/>
-              <a:t>Client</a:t>
-            </a:r>
-            <a:r>
-              <a:rPr lang="zh-CN" altLang="en-US" dirty="0" smtClean="0"/>
-              <a:t>在</a:t>
-            </a:r>
-            <a:r>
-              <a:rPr lang="en-US" altLang="zh-CN" dirty="0" smtClean="0"/>
-              <a:t>server</a:t>
-            </a:r>
-            <a:r>
-              <a:rPr lang="zh-CN" altLang="en-US" dirty="0" smtClean="0"/>
-              <a:t>断开后定时重连</a:t>
-            </a:r>
-            <a:endParaRPr lang="en-US" altLang="zh-CN" dirty="0" smtClean="0"/>
-          </a:p>
-          <a:p>
-            <a:r>
-              <a:rPr lang="en-US" altLang="zh-CN" dirty="0" smtClean="0"/>
-              <a:t>Server</a:t>
-            </a:r>
-            <a:r>
-              <a:rPr lang="zh-CN" altLang="en-US" dirty="0" smtClean="0"/>
-              <a:t>在</a:t>
-            </a:r>
-            <a:r>
-              <a:rPr lang="en-US" altLang="zh-CN" dirty="0" smtClean="0"/>
-              <a:t>client</a:t>
-            </a:r>
-            <a:r>
-              <a:rPr lang="zh-CN" altLang="en-US" dirty="0" smtClean="0"/>
-              <a:t>断开后将它踢出同步队列</a:t>
-            </a:r>
-            <a:endParaRPr lang="en-US" altLang="zh-CN" dirty="0" smtClean="0"/>
-          </a:p>
-          <a:p>
-            <a:r>
-              <a:rPr lang="zh-CN" altLang="en-US" dirty="0" smtClean="0"/>
-              <a:t>缺乏跨机房同步的测试</a:t>
-            </a:r>
-            <a:endParaRPr lang="en-US" altLang="zh-CN" dirty="0" smtClean="0"/>
-          </a:p>
-          <a:p>
-            <a:r>
-              <a:rPr lang="zh-CN" altLang="en-US" dirty="0" smtClean="0"/>
-              <a:t>缺乏大数据量并发的测试</a:t>
+              <a:t>）</a:t>
             </a:r>
             <a:endParaRPr lang="zh-CN" altLang="en-US" dirty="0"/>
           </a:p>
         </p:txBody>
       </p:sp>
+      <p:sp>
+        <p:nvSpPr>
+          <p:cNvPr id="12" name="TextBox 11"/>
+          <p:cNvSpPr txBox="1"/>
+          <p:nvPr/>
+        </p:nvSpPr>
+        <p:spPr>
+          <a:xfrm>
+            <a:off x="5786446" y="3143248"/>
+            <a:ext cx="415498" cy="369332"/>
+          </a:xfrm>
+          <a:prstGeom prst="rect">
+            <a:avLst/>
+          </a:prstGeom>
+          <a:noFill/>
+        </p:spPr>
+        <p:txBody>
+          <a:bodyPr wrap="none" rtlCol="0">
+            <a:spAutoFit/>
+          </a:bodyPr>
+          <a:lstStyle/>
+          <a:p>
+            <a:r>
+              <a:rPr lang="zh-CN" altLang="en-US" dirty="0" smtClean="0"/>
+              <a:t>主</a:t>
+            </a:r>
+            <a:endParaRPr lang="zh-CN" altLang="en-US" dirty="0"/>
+          </a:p>
+        </p:txBody>
+      </p:sp>
+      <p:grpSp>
+        <p:nvGrpSpPr>
+          <p:cNvPr id="30" name="组合 29"/>
+          <p:cNvGrpSpPr/>
+          <p:nvPr/>
+        </p:nvGrpSpPr>
+        <p:grpSpPr>
+          <a:xfrm>
+            <a:off x="1071538" y="3286124"/>
+            <a:ext cx="7429552" cy="2583910"/>
+            <a:chOff x="1071538" y="3286124"/>
+            <a:chExt cx="5916295" cy="2583910"/>
+          </a:xfrm>
+        </p:grpSpPr>
+        <p:sp>
+          <p:nvSpPr>
+            <p:cNvPr id="7" name="TextBox 6"/>
+            <p:cNvSpPr txBox="1"/>
+            <p:nvPr/>
+          </p:nvSpPr>
+          <p:spPr>
+            <a:xfrm>
+              <a:off x="6072198" y="4214818"/>
+              <a:ext cx="915635" cy="707886"/>
+            </a:xfrm>
+            <a:prstGeom prst="rect">
+              <a:avLst/>
+            </a:prstGeom>
+            <a:noFill/>
+          </p:spPr>
+          <p:txBody>
+            <a:bodyPr wrap="none" rtlCol="0">
+              <a:spAutoFit/>
+            </a:bodyPr>
+            <a:lstStyle/>
+            <a:p>
+              <a:r>
+                <a:rPr lang="en-US" altLang="zh-CN" sz="4000" b="1" dirty="0" smtClean="0"/>
+                <a:t>……</a:t>
+              </a:r>
+              <a:endParaRPr lang="zh-CN" altLang="en-US" sz="4000" b="1" dirty="0"/>
+            </a:p>
+          </p:txBody>
+        </p:sp>
+        <p:sp>
+          <p:nvSpPr>
+            <p:cNvPr id="10" name="TextBox 9"/>
+            <p:cNvSpPr txBox="1"/>
+            <p:nvPr/>
+          </p:nvSpPr>
+          <p:spPr>
+            <a:xfrm>
+              <a:off x="3000364" y="5429264"/>
+              <a:ext cx="415498" cy="369332"/>
+            </a:xfrm>
+            <a:prstGeom prst="rect">
+              <a:avLst/>
+            </a:prstGeom>
+            <a:noFill/>
+          </p:spPr>
+          <p:txBody>
+            <a:bodyPr wrap="none" rtlCol="0">
+              <a:spAutoFit/>
+            </a:bodyPr>
+            <a:lstStyle/>
+            <a:p>
+              <a:r>
+                <a:rPr lang="zh-CN" altLang="en-US" dirty="0" smtClean="0"/>
+                <a:t>主</a:t>
+              </a:r>
+              <a:endParaRPr lang="zh-CN" altLang="en-US" dirty="0"/>
+            </a:p>
+          </p:txBody>
+        </p:sp>
+        <p:sp>
+          <p:nvSpPr>
+            <p:cNvPr id="11" name="TextBox 10"/>
+            <p:cNvSpPr txBox="1"/>
+            <p:nvPr/>
+          </p:nvSpPr>
+          <p:spPr>
+            <a:xfrm>
+              <a:off x="4643438" y="5500702"/>
+              <a:ext cx="998991" cy="369332"/>
+            </a:xfrm>
+            <a:prstGeom prst="rect">
+              <a:avLst/>
+            </a:prstGeom>
+            <a:noFill/>
+          </p:spPr>
+          <p:txBody>
+            <a:bodyPr wrap="none" rtlCol="0">
+              <a:spAutoFit/>
+            </a:bodyPr>
+            <a:lstStyle/>
+            <a:p>
+              <a:r>
+                <a:rPr lang="zh-CN" altLang="en-US" dirty="0" smtClean="0"/>
+                <a:t>从（</a:t>
+              </a:r>
+              <a:r>
+                <a:rPr lang="en-US" altLang="zh-CN" dirty="0" smtClean="0"/>
+                <a:t>n</a:t>
+              </a:r>
+              <a:r>
+                <a:rPr lang="zh-CN" altLang="en-US" dirty="0" smtClean="0"/>
+                <a:t>）</a:t>
+              </a:r>
+              <a:endParaRPr lang="zh-CN" altLang="en-US" dirty="0"/>
+            </a:p>
+          </p:txBody>
+        </p:sp>
+        <p:sp>
+          <p:nvSpPr>
+            <p:cNvPr id="15" name="右箭头 14"/>
+            <p:cNvSpPr/>
+            <p:nvPr/>
+          </p:nvSpPr>
+          <p:spPr>
+            <a:xfrm>
+              <a:off x="1785918" y="3357562"/>
+              <a:ext cx="1214446" cy="142876"/>
+            </a:xfrm>
+            <a:prstGeom prst="rightArrow">
+              <a:avLst/>
+            </a:prstGeom>
+          </p:spPr>
+          <p:style>
+            <a:lnRef idx="2">
+              <a:schemeClr val="accent1">
+                <a:shade val="50000"/>
+              </a:schemeClr>
+            </a:lnRef>
+            <a:fillRef idx="1">
+              <a:schemeClr val="accent1"/>
+            </a:fillRef>
+            <a:effectRef idx="0">
+              <a:schemeClr val="accent1"/>
+            </a:effectRef>
+            <a:fontRef idx="minor">
+              <a:schemeClr val="lt1"/>
+            </a:fontRef>
+          </p:style>
+          <p:txBody>
+            <a:bodyPr rtlCol="0" anchor="ctr"/>
+            <a:lstStyle/>
+            <a:p>
+              <a:pPr algn="ctr"/>
+              <a:endParaRPr lang="zh-CN" altLang="en-US"/>
+            </a:p>
+          </p:txBody>
+        </p:sp>
+        <p:sp>
+          <p:nvSpPr>
+            <p:cNvPr id="16" name="右箭头 15"/>
+            <p:cNvSpPr/>
+            <p:nvPr/>
+          </p:nvSpPr>
+          <p:spPr>
+            <a:xfrm>
+              <a:off x="3428992" y="5572140"/>
+              <a:ext cx="1214446" cy="142876"/>
+            </a:xfrm>
+            <a:prstGeom prst="rightArrow">
+              <a:avLst/>
+            </a:prstGeom>
+          </p:spPr>
+          <p:style>
+            <a:lnRef idx="2">
+              <a:schemeClr val="accent1">
+                <a:shade val="50000"/>
+              </a:schemeClr>
+            </a:lnRef>
+            <a:fillRef idx="1">
+              <a:schemeClr val="accent1"/>
+            </a:fillRef>
+            <a:effectRef idx="0">
+              <a:schemeClr val="accent1"/>
+            </a:effectRef>
+            <a:fontRef idx="minor">
+              <a:schemeClr val="lt1"/>
+            </a:fontRef>
+          </p:style>
+          <p:txBody>
+            <a:bodyPr rtlCol="0" anchor="ctr"/>
+            <a:lstStyle/>
+            <a:p>
+              <a:pPr algn="ctr"/>
+              <a:endParaRPr lang="zh-CN" altLang="en-US"/>
+            </a:p>
+          </p:txBody>
+        </p:sp>
+        <p:sp>
+          <p:nvSpPr>
+            <p:cNvPr id="17" name="右箭头 16"/>
+            <p:cNvSpPr/>
+            <p:nvPr/>
+          </p:nvSpPr>
+          <p:spPr>
+            <a:xfrm>
+              <a:off x="5214942" y="3286124"/>
+              <a:ext cx="1214446" cy="142876"/>
+            </a:xfrm>
+            <a:prstGeom prst="rightArrow">
+              <a:avLst/>
+            </a:prstGeom>
+          </p:spPr>
+          <p:style>
+            <a:lnRef idx="2">
+              <a:schemeClr val="accent1">
+                <a:shade val="50000"/>
+              </a:schemeClr>
+            </a:lnRef>
+            <a:fillRef idx="1">
+              <a:schemeClr val="accent1"/>
+            </a:fillRef>
+            <a:effectRef idx="0">
+              <a:schemeClr val="accent1"/>
+            </a:effectRef>
+            <a:fontRef idx="minor">
+              <a:schemeClr val="lt1"/>
+            </a:fontRef>
+          </p:style>
+          <p:txBody>
+            <a:bodyPr rtlCol="0" anchor="ctr"/>
+            <a:lstStyle/>
+            <a:p>
+              <a:pPr algn="ctr"/>
+              <a:endParaRPr lang="zh-CN" altLang="en-US"/>
+            </a:p>
+          </p:txBody>
+        </p:sp>
+        <p:grpSp>
+          <p:nvGrpSpPr>
+            <p:cNvPr id="18" name="组合 17"/>
+            <p:cNvGrpSpPr/>
+            <p:nvPr/>
+          </p:nvGrpSpPr>
+          <p:grpSpPr>
+            <a:xfrm>
+              <a:off x="1071538" y="3571876"/>
+              <a:ext cx="1143008" cy="1428760"/>
+              <a:chOff x="1214414" y="3357562"/>
+              <a:chExt cx="1690693" cy="2166940"/>
+            </a:xfrm>
+          </p:grpSpPr>
+          <p:sp>
+            <p:nvSpPr>
+              <p:cNvPr id="5" name="tower"/>
+              <p:cNvSpPr>
+                <a:spLocks noEditPoints="1" noChangeArrowheads="1"/>
+              </p:cNvSpPr>
+              <p:nvPr/>
+            </p:nvSpPr>
+            <p:spPr bwMode="auto">
+              <a:xfrm>
+                <a:off x="1214414" y="3357562"/>
+                <a:ext cx="904875" cy="1809750"/>
+              </a:xfrm>
+              <a:custGeom>
+                <a:avLst/>
+                <a:gdLst>
+                  <a:gd name="T0" fmla="*/ 0 w 21600"/>
+                  <a:gd name="T1" fmla="*/ 2184 h 21600"/>
+                  <a:gd name="T2" fmla="*/ 6664 w 21600"/>
+                  <a:gd name="T3" fmla="*/ 0 h 21600"/>
+                  <a:gd name="T4" fmla="*/ 10800 w 21600"/>
+                  <a:gd name="T5" fmla="*/ 0 h 21600"/>
+                  <a:gd name="T6" fmla="*/ 21600 w 21600"/>
+                  <a:gd name="T7" fmla="*/ 0 h 21600"/>
+                  <a:gd name="T8" fmla="*/ 21600 w 21600"/>
+                  <a:gd name="T9" fmla="*/ 11649 h 21600"/>
+                  <a:gd name="T10" fmla="*/ 21600 w 21600"/>
+                  <a:gd name="T11" fmla="*/ 19416 h 21600"/>
+                  <a:gd name="T12" fmla="*/ 15166 w 21600"/>
+                  <a:gd name="T13" fmla="*/ 21600 h 21600"/>
+                  <a:gd name="T14" fmla="*/ 10570 w 21600"/>
+                  <a:gd name="T15" fmla="*/ 21600 h 21600"/>
+                  <a:gd name="T16" fmla="*/ 0 w 21600"/>
+                  <a:gd name="T17" fmla="*/ 21600 h 21600"/>
+                  <a:gd name="T18" fmla="*/ 0 w 21600"/>
+                  <a:gd name="T19" fmla="*/ 11528 h 21600"/>
+                  <a:gd name="T20" fmla="*/ 459 w 21600"/>
+                  <a:gd name="T21" fmla="*/ 22540 h 21600"/>
+                  <a:gd name="T22" fmla="*/ 21485 w 21600"/>
+                  <a:gd name="T23" fmla="*/ 27000 h 21600"/>
+                </a:gdLst>
+                <a:ahLst/>
+                <a:cxnLst>
+                  <a:cxn ang="0">
+                    <a:pos x="T0" y="T1"/>
+                  </a:cxn>
+                  <a:cxn ang="0">
+                    <a:pos x="T2" y="T3"/>
+                  </a:cxn>
+                  <a:cxn ang="0">
+                    <a:pos x="T4" y="T5"/>
+                  </a:cxn>
+                  <a:cxn ang="0">
+                    <a:pos x="T6" y="T7"/>
+                  </a:cxn>
+                  <a:cxn ang="0">
+                    <a:pos x="T8" y="T9"/>
+                  </a:cxn>
+                  <a:cxn ang="0">
+                    <a:pos x="T10" y="T11"/>
+                  </a:cxn>
+                  <a:cxn ang="0">
+                    <a:pos x="T12" y="T13"/>
+                  </a:cxn>
+                  <a:cxn ang="0">
+                    <a:pos x="T14" y="T15"/>
+                  </a:cxn>
+                  <a:cxn ang="0">
+                    <a:pos x="T16" y="T17"/>
+                  </a:cxn>
+                  <a:cxn ang="0">
+                    <a:pos x="T18" y="T19"/>
+                  </a:cxn>
+                </a:cxnLst>
+                <a:rect l="T20" t="T21" r="T22" b="T23"/>
+                <a:pathLst>
+                  <a:path w="21600" h="21600" extrusionOk="0">
+                    <a:moveTo>
+                      <a:pt x="0" y="2184"/>
+                    </a:moveTo>
+                    <a:lnTo>
+                      <a:pt x="6664" y="0"/>
+                    </a:lnTo>
+                    <a:lnTo>
+                      <a:pt x="10800" y="0"/>
+                    </a:lnTo>
+                    <a:lnTo>
+                      <a:pt x="21600" y="0"/>
+                    </a:lnTo>
+                    <a:lnTo>
+                      <a:pt x="21600" y="11649"/>
+                    </a:lnTo>
+                    <a:lnTo>
+                      <a:pt x="21600" y="19416"/>
+                    </a:lnTo>
+                    <a:lnTo>
+                      <a:pt x="15166" y="21600"/>
+                    </a:lnTo>
+                    <a:lnTo>
+                      <a:pt x="10570" y="21600"/>
+                    </a:lnTo>
+                    <a:lnTo>
+                      <a:pt x="0" y="21600"/>
+                    </a:lnTo>
+                    <a:lnTo>
+                      <a:pt x="0" y="11528"/>
+                    </a:lnTo>
+                    <a:lnTo>
+                      <a:pt x="0" y="2184"/>
+                    </a:lnTo>
+                    <a:close/>
+                  </a:path>
+                  <a:path w="21600" h="21600" extrusionOk="0">
+                    <a:moveTo>
+                      <a:pt x="0" y="2184"/>
+                    </a:moveTo>
+                    <a:lnTo>
+                      <a:pt x="0" y="2184"/>
+                    </a:lnTo>
+                    <a:lnTo>
+                      <a:pt x="14706" y="2184"/>
+                    </a:lnTo>
+                    <a:lnTo>
+                      <a:pt x="21600" y="0"/>
+                    </a:lnTo>
+                    <a:moveTo>
+                      <a:pt x="0" y="2184"/>
+                    </a:moveTo>
+                    <a:lnTo>
+                      <a:pt x="14706" y="2184"/>
+                    </a:lnTo>
+                    <a:lnTo>
+                      <a:pt x="14706" y="5339"/>
+                    </a:lnTo>
+                    <a:lnTo>
+                      <a:pt x="14706" y="17474"/>
+                    </a:lnTo>
+                    <a:lnTo>
+                      <a:pt x="14706" y="21600"/>
+                    </a:lnTo>
+                    <a:moveTo>
+                      <a:pt x="1149" y="3034"/>
+                    </a:moveTo>
+                    <a:lnTo>
+                      <a:pt x="13328" y="3034"/>
+                    </a:lnTo>
+                    <a:lnTo>
+                      <a:pt x="13328" y="3519"/>
+                    </a:lnTo>
+                    <a:lnTo>
+                      <a:pt x="1149" y="3519"/>
+                    </a:lnTo>
+                    <a:lnTo>
+                      <a:pt x="1149" y="3034"/>
+                    </a:lnTo>
+                    <a:moveTo>
+                      <a:pt x="1149" y="4490"/>
+                    </a:moveTo>
+                    <a:lnTo>
+                      <a:pt x="13328" y="4490"/>
+                    </a:lnTo>
+                    <a:lnTo>
+                      <a:pt x="13328" y="4854"/>
+                    </a:lnTo>
+                    <a:lnTo>
+                      <a:pt x="1149" y="4854"/>
+                    </a:lnTo>
+                    <a:lnTo>
+                      <a:pt x="1149" y="4490"/>
+                    </a:lnTo>
+                    <a:moveTo>
+                      <a:pt x="1149" y="5946"/>
+                    </a:moveTo>
+                    <a:lnTo>
+                      <a:pt x="13328" y="5946"/>
+                    </a:lnTo>
+                    <a:lnTo>
+                      <a:pt x="13328" y="6310"/>
+                    </a:lnTo>
+                    <a:lnTo>
+                      <a:pt x="1149" y="6310"/>
+                    </a:lnTo>
+                    <a:lnTo>
+                      <a:pt x="1149" y="5946"/>
+                    </a:lnTo>
+                  </a:path>
+                </a:pathLst>
+              </a:custGeom>
+              <a:solidFill>
+                <a:srgbClr val="FFFFCC"/>
+              </a:solidFill>
+              <a:ln w="9525">
+                <a:solidFill>
+                  <a:srgbClr val="000000"/>
+                </a:solidFill>
+                <a:miter lim="800000"/>
+                <a:headEnd/>
+                <a:tailEnd/>
+              </a:ln>
+            </p:spPr>
+            <p:txBody>
+              <a:bodyPr vert="horz" wrap="square" lIns="91440" tIns="45720" rIns="91440" bIns="45720" numCol="1" anchor="t" anchorCtr="0" compatLnSpc="1">
+                <a:prstTxWarp prst="textNoShape">
+                  <a:avLst/>
+                </a:prstTxWarp>
+              </a:bodyPr>
+              <a:lstStyle/>
+              <a:p>
+                <a:endParaRPr lang="zh-CN" altLang="en-US" dirty="0"/>
+              </a:p>
+            </p:txBody>
+          </p:sp>
+          <p:sp>
+            <p:nvSpPr>
+              <p:cNvPr id="6" name="tower"/>
+              <p:cNvSpPr>
+                <a:spLocks noEditPoints="1" noChangeArrowheads="1"/>
+              </p:cNvSpPr>
+              <p:nvPr/>
+            </p:nvSpPr>
+            <p:spPr bwMode="auto">
+              <a:xfrm>
+                <a:off x="2000232" y="3357562"/>
+                <a:ext cx="904875" cy="1809750"/>
+              </a:xfrm>
+              <a:custGeom>
+                <a:avLst/>
+                <a:gdLst>
+                  <a:gd name="T0" fmla="*/ 0 w 21600"/>
+                  <a:gd name="T1" fmla="*/ 2184 h 21600"/>
+                  <a:gd name="T2" fmla="*/ 6664 w 21600"/>
+                  <a:gd name="T3" fmla="*/ 0 h 21600"/>
+                  <a:gd name="T4" fmla="*/ 10800 w 21600"/>
+                  <a:gd name="T5" fmla="*/ 0 h 21600"/>
+                  <a:gd name="T6" fmla="*/ 21600 w 21600"/>
+                  <a:gd name="T7" fmla="*/ 0 h 21600"/>
+                  <a:gd name="T8" fmla="*/ 21600 w 21600"/>
+                  <a:gd name="T9" fmla="*/ 11649 h 21600"/>
+                  <a:gd name="T10" fmla="*/ 21600 w 21600"/>
+                  <a:gd name="T11" fmla="*/ 19416 h 21600"/>
+                  <a:gd name="T12" fmla="*/ 15166 w 21600"/>
+                  <a:gd name="T13" fmla="*/ 21600 h 21600"/>
+                  <a:gd name="T14" fmla="*/ 10570 w 21600"/>
+                  <a:gd name="T15" fmla="*/ 21600 h 21600"/>
+                  <a:gd name="T16" fmla="*/ 0 w 21600"/>
+                  <a:gd name="T17" fmla="*/ 21600 h 21600"/>
+                  <a:gd name="T18" fmla="*/ 0 w 21600"/>
+                  <a:gd name="T19" fmla="*/ 11528 h 21600"/>
+                  <a:gd name="T20" fmla="*/ 459 w 21600"/>
+                  <a:gd name="T21" fmla="*/ 22540 h 21600"/>
+                  <a:gd name="T22" fmla="*/ 21485 w 21600"/>
+                  <a:gd name="T23" fmla="*/ 27000 h 21600"/>
+                </a:gdLst>
+                <a:ahLst/>
+                <a:cxnLst>
+                  <a:cxn ang="0">
+                    <a:pos x="T0" y="T1"/>
+                  </a:cxn>
+                  <a:cxn ang="0">
+                    <a:pos x="T2" y="T3"/>
+                  </a:cxn>
+                  <a:cxn ang="0">
+                    <a:pos x="T4" y="T5"/>
+                  </a:cxn>
+                  <a:cxn ang="0">
+                    <a:pos x="T6" y="T7"/>
+                  </a:cxn>
+                  <a:cxn ang="0">
+                    <a:pos x="T8" y="T9"/>
+                  </a:cxn>
+                  <a:cxn ang="0">
+                    <a:pos x="T10" y="T11"/>
+                  </a:cxn>
+                  <a:cxn ang="0">
+                    <a:pos x="T12" y="T13"/>
+                  </a:cxn>
+                  <a:cxn ang="0">
+                    <a:pos x="T14" y="T15"/>
+                  </a:cxn>
+                  <a:cxn ang="0">
+                    <a:pos x="T16" y="T17"/>
+                  </a:cxn>
+                  <a:cxn ang="0">
+                    <a:pos x="T18" y="T19"/>
+                  </a:cxn>
+                </a:cxnLst>
+                <a:rect l="T20" t="T21" r="T22" b="T23"/>
+                <a:pathLst>
+                  <a:path w="21600" h="21600" extrusionOk="0">
+                    <a:moveTo>
+                      <a:pt x="0" y="2184"/>
+                    </a:moveTo>
+                    <a:lnTo>
+                      <a:pt x="6664" y="0"/>
+                    </a:lnTo>
+                    <a:lnTo>
+                      <a:pt x="10800" y="0"/>
+                    </a:lnTo>
+                    <a:lnTo>
+                      <a:pt x="21600" y="0"/>
+                    </a:lnTo>
+                    <a:lnTo>
+                      <a:pt x="21600" y="11649"/>
+                    </a:lnTo>
+                    <a:lnTo>
+                      <a:pt x="21600" y="19416"/>
+                    </a:lnTo>
+                    <a:lnTo>
+                      <a:pt x="15166" y="21600"/>
+                    </a:lnTo>
+                    <a:lnTo>
+                      <a:pt x="10570" y="21600"/>
+                    </a:lnTo>
+                    <a:lnTo>
+                      <a:pt x="0" y="21600"/>
+                    </a:lnTo>
+                    <a:lnTo>
+                      <a:pt x="0" y="11528"/>
+                    </a:lnTo>
+                    <a:lnTo>
+                      <a:pt x="0" y="2184"/>
+                    </a:lnTo>
+                    <a:close/>
+                  </a:path>
+                  <a:path w="21600" h="21600" extrusionOk="0">
+                    <a:moveTo>
+                      <a:pt x="0" y="2184"/>
+                    </a:moveTo>
+                    <a:lnTo>
+                      <a:pt x="0" y="2184"/>
+                    </a:lnTo>
+                    <a:lnTo>
+                      <a:pt x="14706" y="2184"/>
+                    </a:lnTo>
+                    <a:lnTo>
+                      <a:pt x="21600" y="0"/>
+                    </a:lnTo>
+                    <a:moveTo>
+                      <a:pt x="0" y="2184"/>
+                    </a:moveTo>
+                    <a:lnTo>
+                      <a:pt x="14706" y="2184"/>
+                    </a:lnTo>
+                    <a:lnTo>
+                      <a:pt x="14706" y="5339"/>
+                    </a:lnTo>
+                    <a:lnTo>
+                      <a:pt x="14706" y="17474"/>
+                    </a:lnTo>
+                    <a:lnTo>
+                      <a:pt x="14706" y="21600"/>
+                    </a:lnTo>
+                    <a:moveTo>
+                      <a:pt x="1149" y="3034"/>
+                    </a:moveTo>
+                    <a:lnTo>
+                      <a:pt x="13328" y="3034"/>
+                    </a:lnTo>
+                    <a:lnTo>
+                      <a:pt x="13328" y="3519"/>
+                    </a:lnTo>
+                    <a:lnTo>
+                      <a:pt x="1149" y="3519"/>
+                    </a:lnTo>
+                    <a:lnTo>
+                      <a:pt x="1149" y="3034"/>
+                    </a:lnTo>
+                    <a:moveTo>
+                      <a:pt x="1149" y="4490"/>
+                    </a:moveTo>
+                    <a:lnTo>
+                      <a:pt x="13328" y="4490"/>
+                    </a:lnTo>
+                    <a:lnTo>
+                      <a:pt x="13328" y="4854"/>
+                    </a:lnTo>
+                    <a:lnTo>
+                      <a:pt x="1149" y="4854"/>
+                    </a:lnTo>
+                    <a:lnTo>
+                      <a:pt x="1149" y="4490"/>
+                    </a:lnTo>
+                    <a:moveTo>
+                      <a:pt x="1149" y="5946"/>
+                    </a:moveTo>
+                    <a:lnTo>
+                      <a:pt x="13328" y="5946"/>
+                    </a:lnTo>
+                    <a:lnTo>
+                      <a:pt x="13328" y="6310"/>
+                    </a:lnTo>
+                    <a:lnTo>
+                      <a:pt x="1149" y="6310"/>
+                    </a:lnTo>
+                    <a:lnTo>
+                      <a:pt x="1149" y="5946"/>
+                    </a:lnTo>
+                  </a:path>
+                </a:pathLst>
+              </a:custGeom>
+              <a:solidFill>
+                <a:srgbClr val="FFFFCC"/>
+              </a:solidFill>
+              <a:ln w="9525">
+                <a:solidFill>
+                  <a:srgbClr val="000000"/>
+                </a:solidFill>
+                <a:miter lim="800000"/>
+                <a:headEnd/>
+                <a:tailEnd/>
+              </a:ln>
+            </p:spPr>
+            <p:txBody>
+              <a:bodyPr vert="horz" wrap="square" lIns="91440" tIns="45720" rIns="91440" bIns="45720" numCol="1" anchor="t" anchorCtr="0" compatLnSpc="1">
+                <a:prstTxWarp prst="textNoShape">
+                  <a:avLst/>
+                </a:prstTxWarp>
+              </a:bodyPr>
+              <a:lstStyle/>
+              <a:p>
+                <a:endParaRPr lang="zh-CN" altLang="en-US" dirty="0"/>
+              </a:p>
+            </p:txBody>
+          </p:sp>
+          <p:sp>
+            <p:nvSpPr>
+              <p:cNvPr id="1026" name="tower"/>
+              <p:cNvSpPr>
+                <a:spLocks noEditPoints="1" noChangeArrowheads="1"/>
+              </p:cNvSpPr>
+              <p:nvPr/>
+            </p:nvSpPr>
+            <p:spPr bwMode="auto">
+              <a:xfrm>
+                <a:off x="1428728" y="3714752"/>
+                <a:ext cx="904875" cy="1809750"/>
+              </a:xfrm>
+              <a:custGeom>
+                <a:avLst/>
+                <a:gdLst>
+                  <a:gd name="T0" fmla="*/ 0 w 21600"/>
+                  <a:gd name="T1" fmla="*/ 2184 h 21600"/>
+                  <a:gd name="T2" fmla="*/ 6664 w 21600"/>
+                  <a:gd name="T3" fmla="*/ 0 h 21600"/>
+                  <a:gd name="T4" fmla="*/ 10800 w 21600"/>
+                  <a:gd name="T5" fmla="*/ 0 h 21600"/>
+                  <a:gd name="T6" fmla="*/ 21600 w 21600"/>
+                  <a:gd name="T7" fmla="*/ 0 h 21600"/>
+                  <a:gd name="T8" fmla="*/ 21600 w 21600"/>
+                  <a:gd name="T9" fmla="*/ 11649 h 21600"/>
+                  <a:gd name="T10" fmla="*/ 21600 w 21600"/>
+                  <a:gd name="T11" fmla="*/ 19416 h 21600"/>
+                  <a:gd name="T12" fmla="*/ 15166 w 21600"/>
+                  <a:gd name="T13" fmla="*/ 21600 h 21600"/>
+                  <a:gd name="T14" fmla="*/ 10570 w 21600"/>
+                  <a:gd name="T15" fmla="*/ 21600 h 21600"/>
+                  <a:gd name="T16" fmla="*/ 0 w 21600"/>
+                  <a:gd name="T17" fmla="*/ 21600 h 21600"/>
+                  <a:gd name="T18" fmla="*/ 0 w 21600"/>
+                  <a:gd name="T19" fmla="*/ 11528 h 21600"/>
+                  <a:gd name="T20" fmla="*/ 459 w 21600"/>
+                  <a:gd name="T21" fmla="*/ 22540 h 21600"/>
+                  <a:gd name="T22" fmla="*/ 21485 w 21600"/>
+                  <a:gd name="T23" fmla="*/ 27000 h 21600"/>
+                </a:gdLst>
+                <a:ahLst/>
+                <a:cxnLst>
+                  <a:cxn ang="0">
+                    <a:pos x="T0" y="T1"/>
+                  </a:cxn>
+                  <a:cxn ang="0">
+                    <a:pos x="T2" y="T3"/>
+                  </a:cxn>
+                  <a:cxn ang="0">
+                    <a:pos x="T4" y="T5"/>
+                  </a:cxn>
+                  <a:cxn ang="0">
+                    <a:pos x="T6" y="T7"/>
+                  </a:cxn>
+                  <a:cxn ang="0">
+                    <a:pos x="T8" y="T9"/>
+                  </a:cxn>
+                  <a:cxn ang="0">
+                    <a:pos x="T10" y="T11"/>
+                  </a:cxn>
+                  <a:cxn ang="0">
+                    <a:pos x="T12" y="T13"/>
+                  </a:cxn>
+                  <a:cxn ang="0">
+                    <a:pos x="T14" y="T15"/>
+                  </a:cxn>
+                  <a:cxn ang="0">
+                    <a:pos x="T16" y="T17"/>
+                  </a:cxn>
+                  <a:cxn ang="0">
+                    <a:pos x="T18" y="T19"/>
+                  </a:cxn>
+                </a:cxnLst>
+                <a:rect l="T20" t="T21" r="T22" b="T23"/>
+                <a:pathLst>
+                  <a:path w="21600" h="21600" extrusionOk="0">
+                    <a:moveTo>
+                      <a:pt x="0" y="2184"/>
+                    </a:moveTo>
+                    <a:lnTo>
+                      <a:pt x="6664" y="0"/>
+                    </a:lnTo>
+                    <a:lnTo>
+                      <a:pt x="10800" y="0"/>
+                    </a:lnTo>
+                    <a:lnTo>
+                      <a:pt x="21600" y="0"/>
+                    </a:lnTo>
+                    <a:lnTo>
+                      <a:pt x="21600" y="11649"/>
+                    </a:lnTo>
+                    <a:lnTo>
+                      <a:pt x="21600" y="19416"/>
+                    </a:lnTo>
+                    <a:lnTo>
+                      <a:pt x="15166" y="21600"/>
+                    </a:lnTo>
+                    <a:lnTo>
+                      <a:pt x="10570" y="21600"/>
+                    </a:lnTo>
+                    <a:lnTo>
+                      <a:pt x="0" y="21600"/>
+                    </a:lnTo>
+                    <a:lnTo>
+                      <a:pt x="0" y="11528"/>
+                    </a:lnTo>
+                    <a:lnTo>
+                      <a:pt x="0" y="2184"/>
+                    </a:lnTo>
+                    <a:close/>
+                  </a:path>
+                  <a:path w="21600" h="21600" extrusionOk="0">
+                    <a:moveTo>
+                      <a:pt x="0" y="2184"/>
+                    </a:moveTo>
+                    <a:lnTo>
+                      <a:pt x="0" y="2184"/>
+                    </a:lnTo>
+                    <a:lnTo>
+                      <a:pt x="14706" y="2184"/>
+                    </a:lnTo>
+                    <a:lnTo>
+                      <a:pt x="21600" y="0"/>
+                    </a:lnTo>
+                    <a:moveTo>
+                      <a:pt x="0" y="2184"/>
+                    </a:moveTo>
+                    <a:lnTo>
+                      <a:pt x="14706" y="2184"/>
+                    </a:lnTo>
+                    <a:lnTo>
+                      <a:pt x="14706" y="5339"/>
+                    </a:lnTo>
+                    <a:lnTo>
+                      <a:pt x="14706" y="17474"/>
+                    </a:lnTo>
+                    <a:lnTo>
+                      <a:pt x="14706" y="21600"/>
+                    </a:lnTo>
+                    <a:moveTo>
+                      <a:pt x="1149" y="3034"/>
+                    </a:moveTo>
+                    <a:lnTo>
+                      <a:pt x="13328" y="3034"/>
+                    </a:lnTo>
+                    <a:lnTo>
+                      <a:pt x="13328" y="3519"/>
+                    </a:lnTo>
+                    <a:lnTo>
+                      <a:pt x="1149" y="3519"/>
+                    </a:lnTo>
+                    <a:lnTo>
+                      <a:pt x="1149" y="3034"/>
+                    </a:lnTo>
+                    <a:moveTo>
+                      <a:pt x="1149" y="4490"/>
+                    </a:moveTo>
+                    <a:lnTo>
+                      <a:pt x="13328" y="4490"/>
+                    </a:lnTo>
+                    <a:lnTo>
+                      <a:pt x="13328" y="4854"/>
+                    </a:lnTo>
+                    <a:lnTo>
+                      <a:pt x="1149" y="4854"/>
+                    </a:lnTo>
+                    <a:lnTo>
+                      <a:pt x="1149" y="4490"/>
+                    </a:lnTo>
+                    <a:moveTo>
+                      <a:pt x="1149" y="5946"/>
+                    </a:moveTo>
+                    <a:lnTo>
+                      <a:pt x="13328" y="5946"/>
+                    </a:lnTo>
+                    <a:lnTo>
+                      <a:pt x="13328" y="6310"/>
+                    </a:lnTo>
+                    <a:lnTo>
+                      <a:pt x="1149" y="6310"/>
+                    </a:lnTo>
+                    <a:lnTo>
+                      <a:pt x="1149" y="5946"/>
+                    </a:lnTo>
+                  </a:path>
+                </a:pathLst>
+              </a:custGeom>
+              <a:solidFill>
+                <a:srgbClr val="FFFFCC"/>
+              </a:solidFill>
+              <a:ln w="9525">
+                <a:solidFill>
+                  <a:srgbClr val="000000"/>
+                </a:solidFill>
+                <a:miter lim="800000"/>
+                <a:headEnd/>
+                <a:tailEnd/>
+              </a:ln>
+            </p:spPr>
+            <p:txBody>
+              <a:bodyPr vert="horz" wrap="square" lIns="91440" tIns="45720" rIns="91440" bIns="45720" numCol="1" anchor="t" anchorCtr="0" compatLnSpc="1">
+                <a:prstTxWarp prst="textNoShape">
+                  <a:avLst/>
+                </a:prstTxWarp>
+              </a:bodyPr>
+              <a:lstStyle/>
+              <a:p>
+                <a:endParaRPr lang="zh-CN" altLang="en-US" dirty="0"/>
+              </a:p>
+            </p:txBody>
+          </p:sp>
+        </p:grpSp>
+        <p:sp>
+          <p:nvSpPr>
+            <p:cNvPr id="19" name="TextBox 18"/>
+            <p:cNvSpPr txBox="1"/>
+            <p:nvPr/>
+          </p:nvSpPr>
+          <p:spPr>
+            <a:xfrm>
+              <a:off x="1285852" y="5143512"/>
+              <a:ext cx="646331" cy="369332"/>
+            </a:xfrm>
+            <a:prstGeom prst="rect">
+              <a:avLst/>
+            </a:prstGeom>
+            <a:noFill/>
+          </p:spPr>
+          <p:txBody>
+            <a:bodyPr wrap="none" rtlCol="0">
+              <a:spAutoFit/>
+            </a:bodyPr>
+            <a:lstStyle/>
+            <a:p>
+              <a:r>
+                <a:rPr lang="zh-CN" altLang="en-US" dirty="0" smtClean="0"/>
+                <a:t>北京</a:t>
+              </a:r>
+              <a:endParaRPr lang="zh-CN" altLang="en-US" dirty="0"/>
+            </a:p>
+          </p:txBody>
+        </p:sp>
+        <p:grpSp>
+          <p:nvGrpSpPr>
+            <p:cNvPr id="20" name="组合 19"/>
+            <p:cNvGrpSpPr/>
+            <p:nvPr/>
+          </p:nvGrpSpPr>
+          <p:grpSpPr>
+            <a:xfrm>
+              <a:off x="2857488" y="3559734"/>
+              <a:ext cx="1143008" cy="1428760"/>
+              <a:chOff x="1214414" y="3357562"/>
+              <a:chExt cx="1690693" cy="2166940"/>
+            </a:xfrm>
+          </p:grpSpPr>
+          <p:sp>
+            <p:nvSpPr>
+              <p:cNvPr id="21" name="tower"/>
+              <p:cNvSpPr>
+                <a:spLocks noEditPoints="1" noChangeArrowheads="1"/>
+              </p:cNvSpPr>
+              <p:nvPr/>
+            </p:nvSpPr>
+            <p:spPr bwMode="auto">
+              <a:xfrm>
+                <a:off x="1214414" y="3357562"/>
+                <a:ext cx="904875" cy="1809750"/>
+              </a:xfrm>
+              <a:custGeom>
+                <a:avLst/>
+                <a:gdLst>
+                  <a:gd name="T0" fmla="*/ 0 w 21600"/>
+                  <a:gd name="T1" fmla="*/ 2184 h 21600"/>
+                  <a:gd name="T2" fmla="*/ 6664 w 21600"/>
+                  <a:gd name="T3" fmla="*/ 0 h 21600"/>
+                  <a:gd name="T4" fmla="*/ 10800 w 21600"/>
+                  <a:gd name="T5" fmla="*/ 0 h 21600"/>
+                  <a:gd name="T6" fmla="*/ 21600 w 21600"/>
+                  <a:gd name="T7" fmla="*/ 0 h 21600"/>
+                  <a:gd name="T8" fmla="*/ 21600 w 21600"/>
+                  <a:gd name="T9" fmla="*/ 11649 h 21600"/>
+                  <a:gd name="T10" fmla="*/ 21600 w 21600"/>
+                  <a:gd name="T11" fmla="*/ 19416 h 21600"/>
+                  <a:gd name="T12" fmla="*/ 15166 w 21600"/>
+                  <a:gd name="T13" fmla="*/ 21600 h 21600"/>
+                  <a:gd name="T14" fmla="*/ 10570 w 21600"/>
+                  <a:gd name="T15" fmla="*/ 21600 h 21600"/>
+                  <a:gd name="T16" fmla="*/ 0 w 21600"/>
+                  <a:gd name="T17" fmla="*/ 21600 h 21600"/>
+                  <a:gd name="T18" fmla="*/ 0 w 21600"/>
+                  <a:gd name="T19" fmla="*/ 11528 h 21600"/>
+                  <a:gd name="T20" fmla="*/ 459 w 21600"/>
+                  <a:gd name="T21" fmla="*/ 22540 h 21600"/>
+                  <a:gd name="T22" fmla="*/ 21485 w 21600"/>
+                  <a:gd name="T23" fmla="*/ 27000 h 21600"/>
+                </a:gdLst>
+                <a:ahLst/>
+                <a:cxnLst>
+                  <a:cxn ang="0">
+                    <a:pos x="T0" y="T1"/>
+                  </a:cxn>
+                  <a:cxn ang="0">
+                    <a:pos x="T2" y="T3"/>
+                  </a:cxn>
+                  <a:cxn ang="0">
+                    <a:pos x="T4" y="T5"/>
+                  </a:cxn>
+                  <a:cxn ang="0">
+                    <a:pos x="T6" y="T7"/>
+                  </a:cxn>
+                  <a:cxn ang="0">
+                    <a:pos x="T8" y="T9"/>
+                  </a:cxn>
+                  <a:cxn ang="0">
+                    <a:pos x="T10" y="T11"/>
+                  </a:cxn>
+                  <a:cxn ang="0">
+                    <a:pos x="T12" y="T13"/>
+                  </a:cxn>
+                  <a:cxn ang="0">
+                    <a:pos x="T14" y="T15"/>
+                  </a:cxn>
+                  <a:cxn ang="0">
+                    <a:pos x="T16" y="T17"/>
+                  </a:cxn>
+                  <a:cxn ang="0">
+                    <a:pos x="T18" y="T19"/>
+                  </a:cxn>
+                </a:cxnLst>
+                <a:rect l="T20" t="T21" r="T22" b="T23"/>
+                <a:pathLst>
+                  <a:path w="21600" h="21600" extrusionOk="0">
+                    <a:moveTo>
+                      <a:pt x="0" y="2184"/>
+                    </a:moveTo>
+                    <a:lnTo>
+                      <a:pt x="6664" y="0"/>
+                    </a:lnTo>
+                    <a:lnTo>
+                      <a:pt x="10800" y="0"/>
+                    </a:lnTo>
+                    <a:lnTo>
+                      <a:pt x="21600" y="0"/>
+                    </a:lnTo>
+                    <a:lnTo>
+                      <a:pt x="21600" y="11649"/>
+                    </a:lnTo>
+                    <a:lnTo>
+                      <a:pt x="21600" y="19416"/>
+                    </a:lnTo>
+                    <a:lnTo>
+                      <a:pt x="15166" y="21600"/>
+                    </a:lnTo>
+                    <a:lnTo>
+                      <a:pt x="10570" y="21600"/>
+                    </a:lnTo>
+                    <a:lnTo>
+                      <a:pt x="0" y="21600"/>
+                    </a:lnTo>
+                    <a:lnTo>
+                      <a:pt x="0" y="11528"/>
+                    </a:lnTo>
+                    <a:lnTo>
+                      <a:pt x="0" y="2184"/>
+                    </a:lnTo>
+                    <a:close/>
+                  </a:path>
+                  <a:path w="21600" h="21600" extrusionOk="0">
+                    <a:moveTo>
+                      <a:pt x="0" y="2184"/>
+                    </a:moveTo>
+                    <a:lnTo>
+                      <a:pt x="0" y="2184"/>
+                    </a:lnTo>
+                    <a:lnTo>
+                      <a:pt x="14706" y="2184"/>
+                    </a:lnTo>
+                    <a:lnTo>
+                      <a:pt x="21600" y="0"/>
+                    </a:lnTo>
+                    <a:moveTo>
+                      <a:pt x="0" y="2184"/>
+                    </a:moveTo>
+                    <a:lnTo>
+                      <a:pt x="14706" y="2184"/>
+                    </a:lnTo>
+                    <a:lnTo>
+                      <a:pt x="14706" y="5339"/>
+                    </a:lnTo>
+                    <a:lnTo>
+                      <a:pt x="14706" y="17474"/>
+                    </a:lnTo>
+                    <a:lnTo>
+                      <a:pt x="14706" y="21600"/>
+                    </a:lnTo>
+                    <a:moveTo>
+                      <a:pt x="1149" y="3034"/>
+                    </a:moveTo>
+                    <a:lnTo>
+                      <a:pt x="13328" y="3034"/>
+                    </a:lnTo>
+                    <a:lnTo>
+                      <a:pt x="13328" y="3519"/>
+                    </a:lnTo>
+                    <a:lnTo>
+                      <a:pt x="1149" y="3519"/>
+                    </a:lnTo>
+                    <a:lnTo>
+                      <a:pt x="1149" y="3034"/>
+                    </a:lnTo>
+                    <a:moveTo>
+                      <a:pt x="1149" y="4490"/>
+                    </a:moveTo>
+                    <a:lnTo>
+                      <a:pt x="13328" y="4490"/>
+                    </a:lnTo>
+                    <a:lnTo>
+                      <a:pt x="13328" y="4854"/>
+                    </a:lnTo>
+                    <a:lnTo>
+                      <a:pt x="1149" y="4854"/>
+                    </a:lnTo>
+                    <a:lnTo>
+                      <a:pt x="1149" y="4490"/>
+                    </a:lnTo>
+                    <a:moveTo>
+                      <a:pt x="1149" y="5946"/>
+                    </a:moveTo>
+                    <a:lnTo>
+                      <a:pt x="13328" y="5946"/>
+                    </a:lnTo>
+                    <a:lnTo>
+                      <a:pt x="13328" y="6310"/>
+                    </a:lnTo>
+                    <a:lnTo>
+                      <a:pt x="1149" y="6310"/>
+                    </a:lnTo>
+                    <a:lnTo>
+                      <a:pt x="1149" y="5946"/>
+                    </a:lnTo>
+                  </a:path>
+                </a:pathLst>
+              </a:custGeom>
+              <a:solidFill>
+                <a:srgbClr val="FFFFCC"/>
+              </a:solidFill>
+              <a:ln w="9525">
+                <a:solidFill>
+                  <a:srgbClr val="000000"/>
+                </a:solidFill>
+                <a:miter lim="800000"/>
+                <a:headEnd/>
+                <a:tailEnd/>
+              </a:ln>
+            </p:spPr>
+            <p:txBody>
+              <a:bodyPr vert="horz" wrap="square" lIns="91440" tIns="45720" rIns="91440" bIns="45720" numCol="1" anchor="t" anchorCtr="0" compatLnSpc="1">
+                <a:prstTxWarp prst="textNoShape">
+                  <a:avLst/>
+                </a:prstTxWarp>
+              </a:bodyPr>
+              <a:lstStyle/>
+              <a:p>
+                <a:endParaRPr lang="zh-CN" altLang="en-US" dirty="0"/>
+              </a:p>
+            </p:txBody>
+          </p:sp>
+          <p:sp>
+            <p:nvSpPr>
+              <p:cNvPr id="22" name="tower"/>
+              <p:cNvSpPr>
+                <a:spLocks noEditPoints="1" noChangeArrowheads="1"/>
+              </p:cNvSpPr>
+              <p:nvPr/>
+            </p:nvSpPr>
+            <p:spPr bwMode="auto">
+              <a:xfrm>
+                <a:off x="2000232" y="3357562"/>
+                <a:ext cx="904875" cy="1809750"/>
+              </a:xfrm>
+              <a:custGeom>
+                <a:avLst/>
+                <a:gdLst>
+                  <a:gd name="T0" fmla="*/ 0 w 21600"/>
+                  <a:gd name="T1" fmla="*/ 2184 h 21600"/>
+                  <a:gd name="T2" fmla="*/ 6664 w 21600"/>
+                  <a:gd name="T3" fmla="*/ 0 h 21600"/>
+                  <a:gd name="T4" fmla="*/ 10800 w 21600"/>
+                  <a:gd name="T5" fmla="*/ 0 h 21600"/>
+                  <a:gd name="T6" fmla="*/ 21600 w 21600"/>
+                  <a:gd name="T7" fmla="*/ 0 h 21600"/>
+                  <a:gd name="T8" fmla="*/ 21600 w 21600"/>
+                  <a:gd name="T9" fmla="*/ 11649 h 21600"/>
+                  <a:gd name="T10" fmla="*/ 21600 w 21600"/>
+                  <a:gd name="T11" fmla="*/ 19416 h 21600"/>
+                  <a:gd name="T12" fmla="*/ 15166 w 21600"/>
+                  <a:gd name="T13" fmla="*/ 21600 h 21600"/>
+                  <a:gd name="T14" fmla="*/ 10570 w 21600"/>
+                  <a:gd name="T15" fmla="*/ 21600 h 21600"/>
+                  <a:gd name="T16" fmla="*/ 0 w 21600"/>
+                  <a:gd name="T17" fmla="*/ 21600 h 21600"/>
+                  <a:gd name="T18" fmla="*/ 0 w 21600"/>
+                  <a:gd name="T19" fmla="*/ 11528 h 21600"/>
+                  <a:gd name="T20" fmla="*/ 459 w 21600"/>
+                  <a:gd name="T21" fmla="*/ 22540 h 21600"/>
+                  <a:gd name="T22" fmla="*/ 21485 w 21600"/>
+                  <a:gd name="T23" fmla="*/ 27000 h 21600"/>
+                </a:gdLst>
+                <a:ahLst/>
+                <a:cxnLst>
+                  <a:cxn ang="0">
+                    <a:pos x="T0" y="T1"/>
+                  </a:cxn>
+                  <a:cxn ang="0">
+                    <a:pos x="T2" y="T3"/>
+                  </a:cxn>
+                  <a:cxn ang="0">
+                    <a:pos x="T4" y="T5"/>
+                  </a:cxn>
+                  <a:cxn ang="0">
+                    <a:pos x="T6" y="T7"/>
+                  </a:cxn>
+                  <a:cxn ang="0">
+                    <a:pos x="T8" y="T9"/>
+                  </a:cxn>
+                  <a:cxn ang="0">
+                    <a:pos x="T10" y="T11"/>
+                  </a:cxn>
+                  <a:cxn ang="0">
+                    <a:pos x="T12" y="T13"/>
+                  </a:cxn>
+                  <a:cxn ang="0">
+                    <a:pos x="T14" y="T15"/>
+                  </a:cxn>
+                  <a:cxn ang="0">
+                    <a:pos x="T16" y="T17"/>
+                  </a:cxn>
+                  <a:cxn ang="0">
+                    <a:pos x="T18" y="T19"/>
+                  </a:cxn>
+                </a:cxnLst>
+                <a:rect l="T20" t="T21" r="T22" b="T23"/>
+                <a:pathLst>
+                  <a:path w="21600" h="21600" extrusionOk="0">
+                    <a:moveTo>
+                      <a:pt x="0" y="2184"/>
+                    </a:moveTo>
+                    <a:lnTo>
+                      <a:pt x="6664" y="0"/>
+                    </a:lnTo>
+                    <a:lnTo>
+                      <a:pt x="10800" y="0"/>
+                    </a:lnTo>
+                    <a:lnTo>
+                      <a:pt x="21600" y="0"/>
+                    </a:lnTo>
+                    <a:lnTo>
+                      <a:pt x="21600" y="11649"/>
+                    </a:lnTo>
+                    <a:lnTo>
+                      <a:pt x="21600" y="19416"/>
+                    </a:lnTo>
+                    <a:lnTo>
+                      <a:pt x="15166" y="21600"/>
+                    </a:lnTo>
+                    <a:lnTo>
+                      <a:pt x="10570" y="21600"/>
+                    </a:lnTo>
+                    <a:lnTo>
+                      <a:pt x="0" y="21600"/>
+                    </a:lnTo>
+                    <a:lnTo>
+                      <a:pt x="0" y="11528"/>
+                    </a:lnTo>
+                    <a:lnTo>
+                      <a:pt x="0" y="2184"/>
+                    </a:lnTo>
+                    <a:close/>
+                  </a:path>
+                  <a:path w="21600" h="21600" extrusionOk="0">
+                    <a:moveTo>
+                      <a:pt x="0" y="2184"/>
+                    </a:moveTo>
+                    <a:lnTo>
+                      <a:pt x="0" y="2184"/>
+                    </a:lnTo>
+                    <a:lnTo>
+                      <a:pt x="14706" y="2184"/>
+                    </a:lnTo>
+                    <a:lnTo>
+                      <a:pt x="21600" y="0"/>
+                    </a:lnTo>
+                    <a:moveTo>
+                      <a:pt x="0" y="2184"/>
+                    </a:moveTo>
+                    <a:lnTo>
+                      <a:pt x="14706" y="2184"/>
+                    </a:lnTo>
+                    <a:lnTo>
+                      <a:pt x="14706" y="5339"/>
+                    </a:lnTo>
+                    <a:lnTo>
+                      <a:pt x="14706" y="17474"/>
+                    </a:lnTo>
+                    <a:lnTo>
+                      <a:pt x="14706" y="21600"/>
+                    </a:lnTo>
+                    <a:moveTo>
+                      <a:pt x="1149" y="3034"/>
+                    </a:moveTo>
+                    <a:lnTo>
+                      <a:pt x="13328" y="3034"/>
+                    </a:lnTo>
+                    <a:lnTo>
+                      <a:pt x="13328" y="3519"/>
+                    </a:lnTo>
+                    <a:lnTo>
+                      <a:pt x="1149" y="3519"/>
+                    </a:lnTo>
+                    <a:lnTo>
+                      <a:pt x="1149" y="3034"/>
+                    </a:lnTo>
+                    <a:moveTo>
+                      <a:pt x="1149" y="4490"/>
+                    </a:moveTo>
+                    <a:lnTo>
+                      <a:pt x="13328" y="4490"/>
+                    </a:lnTo>
+                    <a:lnTo>
+                      <a:pt x="13328" y="4854"/>
+                    </a:lnTo>
+                    <a:lnTo>
+                      <a:pt x="1149" y="4854"/>
+                    </a:lnTo>
+                    <a:lnTo>
+                      <a:pt x="1149" y="4490"/>
+                    </a:lnTo>
+                    <a:moveTo>
+                      <a:pt x="1149" y="5946"/>
+                    </a:moveTo>
+                    <a:lnTo>
+                      <a:pt x="13328" y="5946"/>
+                    </a:lnTo>
+                    <a:lnTo>
+                      <a:pt x="13328" y="6310"/>
+                    </a:lnTo>
+                    <a:lnTo>
+                      <a:pt x="1149" y="6310"/>
+                    </a:lnTo>
+                    <a:lnTo>
+                      <a:pt x="1149" y="5946"/>
+                    </a:lnTo>
+                  </a:path>
+                </a:pathLst>
+              </a:custGeom>
+              <a:solidFill>
+                <a:srgbClr val="FFFFCC"/>
+              </a:solidFill>
+              <a:ln w="9525">
+                <a:solidFill>
+                  <a:srgbClr val="000000"/>
+                </a:solidFill>
+                <a:miter lim="800000"/>
+                <a:headEnd/>
+                <a:tailEnd/>
+              </a:ln>
+            </p:spPr>
+            <p:txBody>
+              <a:bodyPr vert="horz" wrap="square" lIns="91440" tIns="45720" rIns="91440" bIns="45720" numCol="1" anchor="t" anchorCtr="0" compatLnSpc="1">
+                <a:prstTxWarp prst="textNoShape">
+                  <a:avLst/>
+                </a:prstTxWarp>
+              </a:bodyPr>
+              <a:lstStyle/>
+              <a:p>
+                <a:endParaRPr lang="zh-CN" altLang="en-US" dirty="0"/>
+              </a:p>
+            </p:txBody>
+          </p:sp>
+          <p:sp>
+            <p:nvSpPr>
+              <p:cNvPr id="23" name="tower"/>
+              <p:cNvSpPr>
+                <a:spLocks noEditPoints="1" noChangeArrowheads="1"/>
+              </p:cNvSpPr>
+              <p:nvPr/>
+            </p:nvSpPr>
+            <p:spPr bwMode="auto">
+              <a:xfrm>
+                <a:off x="1428728" y="3714752"/>
+                <a:ext cx="904875" cy="1809750"/>
+              </a:xfrm>
+              <a:custGeom>
+                <a:avLst/>
+                <a:gdLst>
+                  <a:gd name="T0" fmla="*/ 0 w 21600"/>
+                  <a:gd name="T1" fmla="*/ 2184 h 21600"/>
+                  <a:gd name="T2" fmla="*/ 6664 w 21600"/>
+                  <a:gd name="T3" fmla="*/ 0 h 21600"/>
+                  <a:gd name="T4" fmla="*/ 10800 w 21600"/>
+                  <a:gd name="T5" fmla="*/ 0 h 21600"/>
+                  <a:gd name="T6" fmla="*/ 21600 w 21600"/>
+                  <a:gd name="T7" fmla="*/ 0 h 21600"/>
+                  <a:gd name="T8" fmla="*/ 21600 w 21600"/>
+                  <a:gd name="T9" fmla="*/ 11649 h 21600"/>
+                  <a:gd name="T10" fmla="*/ 21600 w 21600"/>
+                  <a:gd name="T11" fmla="*/ 19416 h 21600"/>
+                  <a:gd name="T12" fmla="*/ 15166 w 21600"/>
+                  <a:gd name="T13" fmla="*/ 21600 h 21600"/>
+                  <a:gd name="T14" fmla="*/ 10570 w 21600"/>
+                  <a:gd name="T15" fmla="*/ 21600 h 21600"/>
+                  <a:gd name="T16" fmla="*/ 0 w 21600"/>
+                  <a:gd name="T17" fmla="*/ 21600 h 21600"/>
+                  <a:gd name="T18" fmla="*/ 0 w 21600"/>
+                  <a:gd name="T19" fmla="*/ 11528 h 21600"/>
+                  <a:gd name="T20" fmla="*/ 459 w 21600"/>
+                  <a:gd name="T21" fmla="*/ 22540 h 21600"/>
+                  <a:gd name="T22" fmla="*/ 21485 w 21600"/>
+                  <a:gd name="T23" fmla="*/ 27000 h 21600"/>
+                </a:gdLst>
+                <a:ahLst/>
+                <a:cxnLst>
+                  <a:cxn ang="0">
+                    <a:pos x="T0" y="T1"/>
+                  </a:cxn>
+                  <a:cxn ang="0">
+                    <a:pos x="T2" y="T3"/>
+                  </a:cxn>
+                  <a:cxn ang="0">
+                    <a:pos x="T4" y="T5"/>
+                  </a:cxn>
+                  <a:cxn ang="0">
+                    <a:pos x="T6" y="T7"/>
+                  </a:cxn>
+                  <a:cxn ang="0">
+                    <a:pos x="T8" y="T9"/>
+                  </a:cxn>
+                  <a:cxn ang="0">
+                    <a:pos x="T10" y="T11"/>
+                  </a:cxn>
+                  <a:cxn ang="0">
+                    <a:pos x="T12" y="T13"/>
+                  </a:cxn>
+                  <a:cxn ang="0">
+                    <a:pos x="T14" y="T15"/>
+                  </a:cxn>
+                  <a:cxn ang="0">
+                    <a:pos x="T16" y="T17"/>
+                  </a:cxn>
+                  <a:cxn ang="0">
+                    <a:pos x="T18" y="T19"/>
+                  </a:cxn>
+                </a:cxnLst>
+                <a:rect l="T20" t="T21" r="T22" b="T23"/>
+                <a:pathLst>
+                  <a:path w="21600" h="21600" extrusionOk="0">
+                    <a:moveTo>
+                      <a:pt x="0" y="2184"/>
+                    </a:moveTo>
+                    <a:lnTo>
+                      <a:pt x="6664" y="0"/>
+                    </a:lnTo>
+                    <a:lnTo>
+                      <a:pt x="10800" y="0"/>
+                    </a:lnTo>
+                    <a:lnTo>
+                      <a:pt x="21600" y="0"/>
+                    </a:lnTo>
+                    <a:lnTo>
+                      <a:pt x="21600" y="11649"/>
+                    </a:lnTo>
+                    <a:lnTo>
+                      <a:pt x="21600" y="19416"/>
+                    </a:lnTo>
+                    <a:lnTo>
+                      <a:pt x="15166" y="21600"/>
+                    </a:lnTo>
+                    <a:lnTo>
+                      <a:pt x="10570" y="21600"/>
+                    </a:lnTo>
+                    <a:lnTo>
+                      <a:pt x="0" y="21600"/>
+                    </a:lnTo>
+                    <a:lnTo>
+                      <a:pt x="0" y="11528"/>
+                    </a:lnTo>
+                    <a:lnTo>
+                      <a:pt x="0" y="2184"/>
+                    </a:lnTo>
+                    <a:close/>
+                  </a:path>
+                  <a:path w="21600" h="21600" extrusionOk="0">
+                    <a:moveTo>
+                      <a:pt x="0" y="2184"/>
+                    </a:moveTo>
+                    <a:lnTo>
+                      <a:pt x="0" y="2184"/>
+                    </a:lnTo>
+                    <a:lnTo>
+                      <a:pt x="14706" y="2184"/>
+                    </a:lnTo>
+                    <a:lnTo>
+                      <a:pt x="21600" y="0"/>
+                    </a:lnTo>
+                    <a:moveTo>
+                      <a:pt x="0" y="2184"/>
+                    </a:moveTo>
+                    <a:lnTo>
+                      <a:pt x="14706" y="2184"/>
+                    </a:lnTo>
+                    <a:lnTo>
+                      <a:pt x="14706" y="5339"/>
+                    </a:lnTo>
+                    <a:lnTo>
+                      <a:pt x="14706" y="17474"/>
+                    </a:lnTo>
+                    <a:lnTo>
+                      <a:pt x="14706" y="21600"/>
+                    </a:lnTo>
+                    <a:moveTo>
+                      <a:pt x="1149" y="3034"/>
+                    </a:moveTo>
+                    <a:lnTo>
+                      <a:pt x="13328" y="3034"/>
+                    </a:lnTo>
+                    <a:lnTo>
+                      <a:pt x="13328" y="3519"/>
+                    </a:lnTo>
+                    <a:lnTo>
+                      <a:pt x="1149" y="3519"/>
+                    </a:lnTo>
+                    <a:lnTo>
+                      <a:pt x="1149" y="3034"/>
+                    </a:lnTo>
+                    <a:moveTo>
+                      <a:pt x="1149" y="4490"/>
+                    </a:moveTo>
+                    <a:lnTo>
+                      <a:pt x="13328" y="4490"/>
+                    </a:lnTo>
+                    <a:lnTo>
+                      <a:pt x="13328" y="4854"/>
+                    </a:lnTo>
+                    <a:lnTo>
+                      <a:pt x="1149" y="4854"/>
+                    </a:lnTo>
+                    <a:lnTo>
+                      <a:pt x="1149" y="4490"/>
+                    </a:lnTo>
+                    <a:moveTo>
+                      <a:pt x="1149" y="5946"/>
+                    </a:moveTo>
+                    <a:lnTo>
+                      <a:pt x="13328" y="5946"/>
+                    </a:lnTo>
+                    <a:lnTo>
+                      <a:pt x="13328" y="6310"/>
+                    </a:lnTo>
+                    <a:lnTo>
+                      <a:pt x="1149" y="6310"/>
+                    </a:lnTo>
+                    <a:lnTo>
+                      <a:pt x="1149" y="5946"/>
+                    </a:lnTo>
+                  </a:path>
+                </a:pathLst>
+              </a:custGeom>
+              <a:solidFill>
+                <a:srgbClr val="FFFFCC"/>
+              </a:solidFill>
+              <a:ln w="9525">
+                <a:solidFill>
+                  <a:srgbClr val="000000"/>
+                </a:solidFill>
+                <a:miter lim="800000"/>
+                <a:headEnd/>
+                <a:tailEnd/>
+              </a:ln>
+            </p:spPr>
+            <p:txBody>
+              <a:bodyPr vert="horz" wrap="square" lIns="91440" tIns="45720" rIns="91440" bIns="45720" numCol="1" anchor="t" anchorCtr="0" compatLnSpc="1">
+                <a:prstTxWarp prst="textNoShape">
+                  <a:avLst/>
+                </a:prstTxWarp>
+              </a:bodyPr>
+              <a:lstStyle/>
+              <a:p>
+                <a:endParaRPr lang="zh-CN" altLang="en-US" dirty="0"/>
+              </a:p>
+            </p:txBody>
+          </p:sp>
+        </p:grpSp>
+        <p:sp>
+          <p:nvSpPr>
+            <p:cNvPr id="24" name="TextBox 23"/>
+            <p:cNvSpPr txBox="1"/>
+            <p:nvPr/>
+          </p:nvSpPr>
+          <p:spPr>
+            <a:xfrm>
+              <a:off x="2928926" y="5143512"/>
+              <a:ext cx="646331" cy="369332"/>
+            </a:xfrm>
+            <a:prstGeom prst="rect">
+              <a:avLst/>
+            </a:prstGeom>
+            <a:noFill/>
+          </p:spPr>
+          <p:txBody>
+            <a:bodyPr wrap="none" rtlCol="0">
+              <a:spAutoFit/>
+            </a:bodyPr>
+            <a:lstStyle/>
+            <a:p>
+              <a:r>
+                <a:rPr lang="zh-CN" altLang="en-US" dirty="0" smtClean="0"/>
+                <a:t>上海</a:t>
+              </a:r>
+              <a:endParaRPr lang="zh-CN" altLang="en-US" dirty="0"/>
+            </a:p>
+          </p:txBody>
+        </p:sp>
+        <p:grpSp>
+          <p:nvGrpSpPr>
+            <p:cNvPr id="25" name="组合 24"/>
+            <p:cNvGrpSpPr/>
+            <p:nvPr/>
+          </p:nvGrpSpPr>
+          <p:grpSpPr>
+            <a:xfrm>
+              <a:off x="4714876" y="3500438"/>
+              <a:ext cx="1143008" cy="1428760"/>
+              <a:chOff x="1214414" y="3357562"/>
+              <a:chExt cx="1690693" cy="2166940"/>
+            </a:xfrm>
+          </p:grpSpPr>
+          <p:sp>
+            <p:nvSpPr>
+              <p:cNvPr id="26" name="tower"/>
+              <p:cNvSpPr>
+                <a:spLocks noEditPoints="1" noChangeArrowheads="1"/>
+              </p:cNvSpPr>
+              <p:nvPr/>
+            </p:nvSpPr>
+            <p:spPr bwMode="auto">
+              <a:xfrm>
+                <a:off x="1214414" y="3357562"/>
+                <a:ext cx="904875" cy="1809750"/>
+              </a:xfrm>
+              <a:custGeom>
+                <a:avLst/>
+                <a:gdLst>
+                  <a:gd name="T0" fmla="*/ 0 w 21600"/>
+                  <a:gd name="T1" fmla="*/ 2184 h 21600"/>
+                  <a:gd name="T2" fmla="*/ 6664 w 21600"/>
+                  <a:gd name="T3" fmla="*/ 0 h 21600"/>
+                  <a:gd name="T4" fmla="*/ 10800 w 21600"/>
+                  <a:gd name="T5" fmla="*/ 0 h 21600"/>
+                  <a:gd name="T6" fmla="*/ 21600 w 21600"/>
+                  <a:gd name="T7" fmla="*/ 0 h 21600"/>
+                  <a:gd name="T8" fmla="*/ 21600 w 21600"/>
+                  <a:gd name="T9" fmla="*/ 11649 h 21600"/>
+                  <a:gd name="T10" fmla="*/ 21600 w 21600"/>
+                  <a:gd name="T11" fmla="*/ 19416 h 21600"/>
+                  <a:gd name="T12" fmla="*/ 15166 w 21600"/>
+                  <a:gd name="T13" fmla="*/ 21600 h 21600"/>
+                  <a:gd name="T14" fmla="*/ 10570 w 21600"/>
+                  <a:gd name="T15" fmla="*/ 21600 h 21600"/>
+                  <a:gd name="T16" fmla="*/ 0 w 21600"/>
+                  <a:gd name="T17" fmla="*/ 21600 h 21600"/>
+                  <a:gd name="T18" fmla="*/ 0 w 21600"/>
+                  <a:gd name="T19" fmla="*/ 11528 h 21600"/>
+                  <a:gd name="T20" fmla="*/ 459 w 21600"/>
+                  <a:gd name="T21" fmla="*/ 22540 h 21600"/>
+                  <a:gd name="T22" fmla="*/ 21485 w 21600"/>
+                  <a:gd name="T23" fmla="*/ 27000 h 21600"/>
+                </a:gdLst>
+                <a:ahLst/>
+                <a:cxnLst>
+                  <a:cxn ang="0">
+                    <a:pos x="T0" y="T1"/>
+                  </a:cxn>
+                  <a:cxn ang="0">
+                    <a:pos x="T2" y="T3"/>
+                  </a:cxn>
+                  <a:cxn ang="0">
+                    <a:pos x="T4" y="T5"/>
+                  </a:cxn>
+                  <a:cxn ang="0">
+                    <a:pos x="T6" y="T7"/>
+                  </a:cxn>
+                  <a:cxn ang="0">
+                    <a:pos x="T8" y="T9"/>
+                  </a:cxn>
+                  <a:cxn ang="0">
+                    <a:pos x="T10" y="T11"/>
+                  </a:cxn>
+                  <a:cxn ang="0">
+                    <a:pos x="T12" y="T13"/>
+                  </a:cxn>
+                  <a:cxn ang="0">
+                    <a:pos x="T14" y="T15"/>
+                  </a:cxn>
+                  <a:cxn ang="0">
+                    <a:pos x="T16" y="T17"/>
+                  </a:cxn>
+                  <a:cxn ang="0">
+                    <a:pos x="T18" y="T19"/>
+                  </a:cxn>
+                </a:cxnLst>
+                <a:rect l="T20" t="T21" r="T22" b="T23"/>
+                <a:pathLst>
+                  <a:path w="21600" h="21600" extrusionOk="0">
+                    <a:moveTo>
+                      <a:pt x="0" y="2184"/>
+                    </a:moveTo>
+                    <a:lnTo>
+                      <a:pt x="6664" y="0"/>
+                    </a:lnTo>
+                    <a:lnTo>
+                      <a:pt x="10800" y="0"/>
+                    </a:lnTo>
+                    <a:lnTo>
+                      <a:pt x="21600" y="0"/>
+                    </a:lnTo>
+                    <a:lnTo>
+                      <a:pt x="21600" y="11649"/>
+                    </a:lnTo>
+                    <a:lnTo>
+                      <a:pt x="21600" y="19416"/>
+                    </a:lnTo>
+                    <a:lnTo>
+                      <a:pt x="15166" y="21600"/>
+                    </a:lnTo>
+                    <a:lnTo>
+                      <a:pt x="10570" y="21600"/>
+                    </a:lnTo>
+                    <a:lnTo>
+                      <a:pt x="0" y="21600"/>
+                    </a:lnTo>
+                    <a:lnTo>
+                      <a:pt x="0" y="11528"/>
+                    </a:lnTo>
+                    <a:lnTo>
+                      <a:pt x="0" y="2184"/>
+                    </a:lnTo>
+                    <a:close/>
+                  </a:path>
+                  <a:path w="21600" h="21600" extrusionOk="0">
+                    <a:moveTo>
+                      <a:pt x="0" y="2184"/>
+                    </a:moveTo>
+                    <a:lnTo>
+                      <a:pt x="0" y="2184"/>
+                    </a:lnTo>
+                    <a:lnTo>
+                      <a:pt x="14706" y="2184"/>
+                    </a:lnTo>
+                    <a:lnTo>
+                      <a:pt x="21600" y="0"/>
+                    </a:lnTo>
+                    <a:moveTo>
+                      <a:pt x="0" y="2184"/>
+                    </a:moveTo>
+                    <a:lnTo>
+                      <a:pt x="14706" y="2184"/>
+                    </a:lnTo>
+                    <a:lnTo>
+                      <a:pt x="14706" y="5339"/>
+                    </a:lnTo>
+                    <a:lnTo>
+                      <a:pt x="14706" y="17474"/>
+                    </a:lnTo>
+                    <a:lnTo>
+                      <a:pt x="14706" y="21600"/>
+                    </a:lnTo>
+                    <a:moveTo>
+                      <a:pt x="1149" y="3034"/>
+                    </a:moveTo>
+                    <a:lnTo>
+                      <a:pt x="13328" y="3034"/>
+                    </a:lnTo>
+                    <a:lnTo>
+                      <a:pt x="13328" y="3519"/>
+                    </a:lnTo>
+                    <a:lnTo>
+                      <a:pt x="1149" y="3519"/>
+                    </a:lnTo>
+                    <a:lnTo>
+                      <a:pt x="1149" y="3034"/>
+                    </a:lnTo>
+                    <a:moveTo>
+                      <a:pt x="1149" y="4490"/>
+                    </a:moveTo>
+                    <a:lnTo>
+                      <a:pt x="13328" y="4490"/>
+                    </a:lnTo>
+                    <a:lnTo>
+                      <a:pt x="13328" y="4854"/>
+                    </a:lnTo>
+                    <a:lnTo>
+                      <a:pt x="1149" y="4854"/>
+                    </a:lnTo>
+                    <a:lnTo>
+                      <a:pt x="1149" y="4490"/>
+                    </a:lnTo>
+                    <a:moveTo>
+                      <a:pt x="1149" y="5946"/>
+                    </a:moveTo>
+                    <a:lnTo>
+                      <a:pt x="13328" y="5946"/>
+                    </a:lnTo>
+                    <a:lnTo>
+                      <a:pt x="13328" y="6310"/>
+                    </a:lnTo>
+                    <a:lnTo>
+                      <a:pt x="1149" y="6310"/>
+                    </a:lnTo>
+                    <a:lnTo>
+                      <a:pt x="1149" y="5946"/>
+                    </a:lnTo>
+                  </a:path>
+                </a:pathLst>
+              </a:custGeom>
+              <a:solidFill>
+                <a:srgbClr val="FFFFCC"/>
+              </a:solidFill>
+              <a:ln w="9525">
+                <a:solidFill>
+                  <a:srgbClr val="000000"/>
+                </a:solidFill>
+                <a:miter lim="800000"/>
+                <a:headEnd/>
+                <a:tailEnd/>
+              </a:ln>
+            </p:spPr>
+            <p:txBody>
+              <a:bodyPr vert="horz" wrap="square" lIns="91440" tIns="45720" rIns="91440" bIns="45720" numCol="1" anchor="t" anchorCtr="0" compatLnSpc="1">
+                <a:prstTxWarp prst="textNoShape">
+                  <a:avLst/>
+                </a:prstTxWarp>
+              </a:bodyPr>
+              <a:lstStyle/>
+              <a:p>
+                <a:endParaRPr lang="zh-CN" altLang="en-US" dirty="0"/>
+              </a:p>
+            </p:txBody>
+          </p:sp>
+          <p:sp>
+            <p:nvSpPr>
+              <p:cNvPr id="27" name="tower"/>
+              <p:cNvSpPr>
+                <a:spLocks noEditPoints="1" noChangeArrowheads="1"/>
+              </p:cNvSpPr>
+              <p:nvPr/>
+            </p:nvSpPr>
+            <p:spPr bwMode="auto">
+              <a:xfrm>
+                <a:off x="2000232" y="3357562"/>
+                <a:ext cx="904875" cy="1809750"/>
+              </a:xfrm>
+              <a:custGeom>
+                <a:avLst/>
+                <a:gdLst>
+                  <a:gd name="T0" fmla="*/ 0 w 21600"/>
+                  <a:gd name="T1" fmla="*/ 2184 h 21600"/>
+                  <a:gd name="T2" fmla="*/ 6664 w 21600"/>
+                  <a:gd name="T3" fmla="*/ 0 h 21600"/>
+                  <a:gd name="T4" fmla="*/ 10800 w 21600"/>
+                  <a:gd name="T5" fmla="*/ 0 h 21600"/>
+                  <a:gd name="T6" fmla="*/ 21600 w 21600"/>
+                  <a:gd name="T7" fmla="*/ 0 h 21600"/>
+                  <a:gd name="T8" fmla="*/ 21600 w 21600"/>
+                  <a:gd name="T9" fmla="*/ 11649 h 21600"/>
+                  <a:gd name="T10" fmla="*/ 21600 w 21600"/>
+                  <a:gd name="T11" fmla="*/ 19416 h 21600"/>
+                  <a:gd name="T12" fmla="*/ 15166 w 21600"/>
+                  <a:gd name="T13" fmla="*/ 21600 h 21600"/>
+                  <a:gd name="T14" fmla="*/ 10570 w 21600"/>
+                  <a:gd name="T15" fmla="*/ 21600 h 21600"/>
+                  <a:gd name="T16" fmla="*/ 0 w 21600"/>
+                  <a:gd name="T17" fmla="*/ 21600 h 21600"/>
+                  <a:gd name="T18" fmla="*/ 0 w 21600"/>
+                  <a:gd name="T19" fmla="*/ 11528 h 21600"/>
+                  <a:gd name="T20" fmla="*/ 459 w 21600"/>
+                  <a:gd name="T21" fmla="*/ 22540 h 21600"/>
+                  <a:gd name="T22" fmla="*/ 21485 w 21600"/>
+                  <a:gd name="T23" fmla="*/ 27000 h 21600"/>
+                </a:gdLst>
+                <a:ahLst/>
+                <a:cxnLst>
+                  <a:cxn ang="0">
+                    <a:pos x="T0" y="T1"/>
+                  </a:cxn>
+                  <a:cxn ang="0">
+                    <a:pos x="T2" y="T3"/>
+                  </a:cxn>
+                  <a:cxn ang="0">
+                    <a:pos x="T4" y="T5"/>
+                  </a:cxn>
+                  <a:cxn ang="0">
+                    <a:pos x="T6" y="T7"/>
+                  </a:cxn>
+                  <a:cxn ang="0">
+                    <a:pos x="T8" y="T9"/>
+                  </a:cxn>
+                  <a:cxn ang="0">
+                    <a:pos x="T10" y="T11"/>
+                  </a:cxn>
+                  <a:cxn ang="0">
+                    <a:pos x="T12" y="T13"/>
+                  </a:cxn>
+                  <a:cxn ang="0">
+                    <a:pos x="T14" y="T15"/>
+                  </a:cxn>
+                  <a:cxn ang="0">
+                    <a:pos x="T16" y="T17"/>
+                  </a:cxn>
+                  <a:cxn ang="0">
+                    <a:pos x="T18" y="T19"/>
+                  </a:cxn>
+                </a:cxnLst>
+                <a:rect l="T20" t="T21" r="T22" b="T23"/>
+                <a:pathLst>
+                  <a:path w="21600" h="21600" extrusionOk="0">
+                    <a:moveTo>
+                      <a:pt x="0" y="2184"/>
+                    </a:moveTo>
+                    <a:lnTo>
+                      <a:pt x="6664" y="0"/>
+                    </a:lnTo>
+                    <a:lnTo>
+                      <a:pt x="10800" y="0"/>
+                    </a:lnTo>
+                    <a:lnTo>
+                      <a:pt x="21600" y="0"/>
+                    </a:lnTo>
+                    <a:lnTo>
+                      <a:pt x="21600" y="11649"/>
+                    </a:lnTo>
+                    <a:lnTo>
+                      <a:pt x="21600" y="19416"/>
+                    </a:lnTo>
+                    <a:lnTo>
+                      <a:pt x="15166" y="21600"/>
+                    </a:lnTo>
+                    <a:lnTo>
+                      <a:pt x="10570" y="21600"/>
+                    </a:lnTo>
+                    <a:lnTo>
+                      <a:pt x="0" y="21600"/>
+                    </a:lnTo>
+                    <a:lnTo>
+                      <a:pt x="0" y="11528"/>
+                    </a:lnTo>
+                    <a:lnTo>
+                      <a:pt x="0" y="2184"/>
+                    </a:lnTo>
+                    <a:close/>
+                  </a:path>
+                  <a:path w="21600" h="21600" extrusionOk="0">
+                    <a:moveTo>
+                      <a:pt x="0" y="2184"/>
+                    </a:moveTo>
+                    <a:lnTo>
+                      <a:pt x="0" y="2184"/>
+                    </a:lnTo>
+                    <a:lnTo>
+                      <a:pt x="14706" y="2184"/>
+                    </a:lnTo>
+                    <a:lnTo>
+                      <a:pt x="21600" y="0"/>
+                    </a:lnTo>
+                    <a:moveTo>
+                      <a:pt x="0" y="2184"/>
+                    </a:moveTo>
+                    <a:lnTo>
+                      <a:pt x="14706" y="2184"/>
+                    </a:lnTo>
+                    <a:lnTo>
+                      <a:pt x="14706" y="5339"/>
+                    </a:lnTo>
+                    <a:lnTo>
+                      <a:pt x="14706" y="17474"/>
+                    </a:lnTo>
+                    <a:lnTo>
+                      <a:pt x="14706" y="21600"/>
+                    </a:lnTo>
+                    <a:moveTo>
+                      <a:pt x="1149" y="3034"/>
+                    </a:moveTo>
+                    <a:lnTo>
+                      <a:pt x="13328" y="3034"/>
+                    </a:lnTo>
+                    <a:lnTo>
+                      <a:pt x="13328" y="3519"/>
+                    </a:lnTo>
+                    <a:lnTo>
+                      <a:pt x="1149" y="3519"/>
+                    </a:lnTo>
+                    <a:lnTo>
+                      <a:pt x="1149" y="3034"/>
+                    </a:lnTo>
+                    <a:moveTo>
+                      <a:pt x="1149" y="4490"/>
+                    </a:moveTo>
+                    <a:lnTo>
+                      <a:pt x="13328" y="4490"/>
+                    </a:lnTo>
+                    <a:lnTo>
+                      <a:pt x="13328" y="4854"/>
+                    </a:lnTo>
+                    <a:lnTo>
+                      <a:pt x="1149" y="4854"/>
+                    </a:lnTo>
+                    <a:lnTo>
+                      <a:pt x="1149" y="4490"/>
+                    </a:lnTo>
+                    <a:moveTo>
+                      <a:pt x="1149" y="5946"/>
+                    </a:moveTo>
+                    <a:lnTo>
+                      <a:pt x="13328" y="5946"/>
+                    </a:lnTo>
+                    <a:lnTo>
+                      <a:pt x="13328" y="6310"/>
+                    </a:lnTo>
+                    <a:lnTo>
+                      <a:pt x="1149" y="6310"/>
+                    </a:lnTo>
+                    <a:lnTo>
+                      <a:pt x="1149" y="5946"/>
+                    </a:lnTo>
+                  </a:path>
+                </a:pathLst>
+              </a:custGeom>
+              <a:solidFill>
+                <a:srgbClr val="FFFFCC"/>
+              </a:solidFill>
+              <a:ln w="9525">
+                <a:solidFill>
+                  <a:srgbClr val="000000"/>
+                </a:solidFill>
+                <a:miter lim="800000"/>
+                <a:headEnd/>
+                <a:tailEnd/>
+              </a:ln>
+            </p:spPr>
+            <p:txBody>
+              <a:bodyPr vert="horz" wrap="square" lIns="91440" tIns="45720" rIns="91440" bIns="45720" numCol="1" anchor="t" anchorCtr="0" compatLnSpc="1">
+                <a:prstTxWarp prst="textNoShape">
+                  <a:avLst/>
+                </a:prstTxWarp>
+              </a:bodyPr>
+              <a:lstStyle/>
+              <a:p>
+                <a:endParaRPr lang="zh-CN" altLang="en-US" dirty="0"/>
+              </a:p>
+            </p:txBody>
+          </p:sp>
+          <p:sp>
+            <p:nvSpPr>
+              <p:cNvPr id="28" name="tower"/>
+              <p:cNvSpPr>
+                <a:spLocks noEditPoints="1" noChangeArrowheads="1"/>
+              </p:cNvSpPr>
+              <p:nvPr/>
+            </p:nvSpPr>
+            <p:spPr bwMode="auto">
+              <a:xfrm>
+                <a:off x="1428728" y="3714752"/>
+                <a:ext cx="904875" cy="1809750"/>
+              </a:xfrm>
+              <a:custGeom>
+                <a:avLst/>
+                <a:gdLst>
+                  <a:gd name="T0" fmla="*/ 0 w 21600"/>
+                  <a:gd name="T1" fmla="*/ 2184 h 21600"/>
+                  <a:gd name="T2" fmla="*/ 6664 w 21600"/>
+                  <a:gd name="T3" fmla="*/ 0 h 21600"/>
+                  <a:gd name="T4" fmla="*/ 10800 w 21600"/>
+                  <a:gd name="T5" fmla="*/ 0 h 21600"/>
+                  <a:gd name="T6" fmla="*/ 21600 w 21600"/>
+                  <a:gd name="T7" fmla="*/ 0 h 21600"/>
+                  <a:gd name="T8" fmla="*/ 21600 w 21600"/>
+                  <a:gd name="T9" fmla="*/ 11649 h 21600"/>
+                  <a:gd name="T10" fmla="*/ 21600 w 21600"/>
+                  <a:gd name="T11" fmla="*/ 19416 h 21600"/>
+                  <a:gd name="T12" fmla="*/ 15166 w 21600"/>
+                  <a:gd name="T13" fmla="*/ 21600 h 21600"/>
+                  <a:gd name="T14" fmla="*/ 10570 w 21600"/>
+                  <a:gd name="T15" fmla="*/ 21600 h 21600"/>
+                  <a:gd name="T16" fmla="*/ 0 w 21600"/>
+                  <a:gd name="T17" fmla="*/ 21600 h 21600"/>
+                  <a:gd name="T18" fmla="*/ 0 w 21600"/>
+                  <a:gd name="T19" fmla="*/ 11528 h 21600"/>
+                  <a:gd name="T20" fmla="*/ 459 w 21600"/>
+                  <a:gd name="T21" fmla="*/ 22540 h 21600"/>
+                  <a:gd name="T22" fmla="*/ 21485 w 21600"/>
+                  <a:gd name="T23" fmla="*/ 27000 h 21600"/>
+                </a:gdLst>
+                <a:ahLst/>
+                <a:cxnLst>
+                  <a:cxn ang="0">
+                    <a:pos x="T0" y="T1"/>
+                  </a:cxn>
+                  <a:cxn ang="0">
+                    <a:pos x="T2" y="T3"/>
+                  </a:cxn>
+                  <a:cxn ang="0">
+                    <a:pos x="T4" y="T5"/>
+                  </a:cxn>
+                  <a:cxn ang="0">
+                    <a:pos x="T6" y="T7"/>
+                  </a:cxn>
+                  <a:cxn ang="0">
+                    <a:pos x="T8" y="T9"/>
+                  </a:cxn>
+                  <a:cxn ang="0">
+                    <a:pos x="T10" y="T11"/>
+                  </a:cxn>
+                  <a:cxn ang="0">
+                    <a:pos x="T12" y="T13"/>
+                  </a:cxn>
+                  <a:cxn ang="0">
+                    <a:pos x="T14" y="T15"/>
+                  </a:cxn>
+                  <a:cxn ang="0">
+                    <a:pos x="T16" y="T17"/>
+                  </a:cxn>
+                  <a:cxn ang="0">
+                    <a:pos x="T18" y="T19"/>
+                  </a:cxn>
+                </a:cxnLst>
+                <a:rect l="T20" t="T21" r="T22" b="T23"/>
+                <a:pathLst>
+                  <a:path w="21600" h="21600" extrusionOk="0">
+                    <a:moveTo>
+                      <a:pt x="0" y="2184"/>
+                    </a:moveTo>
+                    <a:lnTo>
+                      <a:pt x="6664" y="0"/>
+                    </a:lnTo>
+                    <a:lnTo>
+                      <a:pt x="10800" y="0"/>
+                    </a:lnTo>
+                    <a:lnTo>
+                      <a:pt x="21600" y="0"/>
+                    </a:lnTo>
+                    <a:lnTo>
+                      <a:pt x="21600" y="11649"/>
+                    </a:lnTo>
+                    <a:lnTo>
+                      <a:pt x="21600" y="19416"/>
+                    </a:lnTo>
+                    <a:lnTo>
+                      <a:pt x="15166" y="21600"/>
+                    </a:lnTo>
+                    <a:lnTo>
+                      <a:pt x="10570" y="21600"/>
+                    </a:lnTo>
+                    <a:lnTo>
+                      <a:pt x="0" y="21600"/>
+                    </a:lnTo>
+                    <a:lnTo>
+                      <a:pt x="0" y="11528"/>
+                    </a:lnTo>
+                    <a:lnTo>
+                      <a:pt x="0" y="2184"/>
+                    </a:lnTo>
+                    <a:close/>
+                  </a:path>
+                  <a:path w="21600" h="21600" extrusionOk="0">
+                    <a:moveTo>
+                      <a:pt x="0" y="2184"/>
+                    </a:moveTo>
+                    <a:lnTo>
+                      <a:pt x="0" y="2184"/>
+                    </a:lnTo>
+                    <a:lnTo>
+                      <a:pt x="14706" y="2184"/>
+                    </a:lnTo>
+                    <a:lnTo>
+                      <a:pt x="21600" y="0"/>
+                    </a:lnTo>
+                    <a:moveTo>
+                      <a:pt x="0" y="2184"/>
+                    </a:moveTo>
+                    <a:lnTo>
+                      <a:pt x="14706" y="2184"/>
+                    </a:lnTo>
+                    <a:lnTo>
+                      <a:pt x="14706" y="5339"/>
+                    </a:lnTo>
+                    <a:lnTo>
+                      <a:pt x="14706" y="17474"/>
+                    </a:lnTo>
+                    <a:lnTo>
+                      <a:pt x="14706" y="21600"/>
+                    </a:lnTo>
+                    <a:moveTo>
+                      <a:pt x="1149" y="3034"/>
+                    </a:moveTo>
+                    <a:lnTo>
+                      <a:pt x="13328" y="3034"/>
+                    </a:lnTo>
+                    <a:lnTo>
+                      <a:pt x="13328" y="3519"/>
+                    </a:lnTo>
+                    <a:lnTo>
+                      <a:pt x="1149" y="3519"/>
+                    </a:lnTo>
+                    <a:lnTo>
+                      <a:pt x="1149" y="3034"/>
+                    </a:lnTo>
+                    <a:moveTo>
+                      <a:pt x="1149" y="4490"/>
+                    </a:moveTo>
+                    <a:lnTo>
+                      <a:pt x="13328" y="4490"/>
+                    </a:lnTo>
+                    <a:lnTo>
+                      <a:pt x="13328" y="4854"/>
+                    </a:lnTo>
+                    <a:lnTo>
+                      <a:pt x="1149" y="4854"/>
+                    </a:lnTo>
+                    <a:lnTo>
+                      <a:pt x="1149" y="4490"/>
+                    </a:lnTo>
+                    <a:moveTo>
+                      <a:pt x="1149" y="5946"/>
+                    </a:moveTo>
+                    <a:lnTo>
+                      <a:pt x="13328" y="5946"/>
+                    </a:lnTo>
+                    <a:lnTo>
+                      <a:pt x="13328" y="6310"/>
+                    </a:lnTo>
+                    <a:lnTo>
+                      <a:pt x="1149" y="6310"/>
+                    </a:lnTo>
+                    <a:lnTo>
+                      <a:pt x="1149" y="5946"/>
+                    </a:lnTo>
+                  </a:path>
+                </a:pathLst>
+              </a:custGeom>
+              <a:solidFill>
+                <a:srgbClr val="FFFFCC"/>
+              </a:solidFill>
+              <a:ln w="9525">
+                <a:solidFill>
+                  <a:srgbClr val="000000"/>
+                </a:solidFill>
+                <a:miter lim="800000"/>
+                <a:headEnd/>
+                <a:tailEnd/>
+              </a:ln>
+            </p:spPr>
+            <p:txBody>
+              <a:bodyPr vert="horz" wrap="square" lIns="91440" tIns="45720" rIns="91440" bIns="45720" numCol="1" anchor="t" anchorCtr="0" compatLnSpc="1">
+                <a:prstTxWarp prst="textNoShape">
+                  <a:avLst/>
+                </a:prstTxWarp>
+              </a:bodyPr>
+              <a:lstStyle/>
+              <a:p>
+                <a:endParaRPr lang="zh-CN" altLang="en-US" dirty="0"/>
+              </a:p>
+            </p:txBody>
+          </p:sp>
+        </p:grpSp>
+        <p:sp>
+          <p:nvSpPr>
+            <p:cNvPr id="29" name="TextBox 28"/>
+            <p:cNvSpPr txBox="1"/>
+            <p:nvPr/>
+          </p:nvSpPr>
+          <p:spPr>
+            <a:xfrm>
+              <a:off x="4786314" y="5084216"/>
+              <a:ext cx="646331" cy="369332"/>
+            </a:xfrm>
+            <a:prstGeom prst="rect">
+              <a:avLst/>
+            </a:prstGeom>
+            <a:noFill/>
+          </p:spPr>
+          <p:txBody>
+            <a:bodyPr wrap="none" rtlCol="0">
+              <a:spAutoFit/>
+            </a:bodyPr>
+            <a:lstStyle/>
+            <a:p>
+              <a:r>
+                <a:rPr lang="zh-CN" altLang="en-US" dirty="0" smtClean="0"/>
+                <a:t>深圳</a:t>
+              </a:r>
+              <a:endParaRPr lang="zh-CN" altLang="en-US" dirty="0"/>
+            </a:p>
+          </p:txBody>
+        </p:sp>
+      </p:grpSp>
     </p:spTree>
   </p:cSld>
   <p:clrMapOvr>
     <a:masterClrMapping/>
   </p:clrMapOvr>
-  <p:timing>
-    <p:tnLst>
-      <p:par>
-        <p:cTn id="1" dur="indefinite" restart="never" nodeType="tmRoot"/>
-      </p:par>
-    </p:tnLst>
-  </p:timing>
 </p:sld>
 </file>
 
@@ -8505,6 +10823,192 @@
           <a:p>
             <a:r>
               <a:rPr lang="zh-CN" altLang="en-US" dirty="0" smtClean="0"/>
+              <a:t>进度</a:t>
+            </a:r>
+            <a:endParaRPr lang="zh-CN" altLang="en-US" dirty="0"/>
+          </a:p>
+        </p:txBody>
+      </p:sp>
+      <p:sp>
+        <p:nvSpPr>
+          <p:cNvPr id="3" name="内容占位符 2"/>
+          <p:cNvSpPr>
+            <a:spLocks noGrp="1"/>
+          </p:cNvSpPr>
+          <p:nvPr>
+            <p:ph idx="1"/>
+          </p:nvPr>
+        </p:nvSpPr>
+        <p:spPr/>
+        <p:txBody>
+          <a:bodyPr/>
+          <a:lstStyle/>
+          <a:p>
+            <a:r>
+              <a:rPr lang="zh-CN" altLang="en-US" dirty="0" smtClean="0"/>
+              <a:t>目前已完成</a:t>
+            </a:r>
+            <a:r>
+              <a:rPr lang="zh-CN" altLang="en-US" dirty="0" smtClean="0"/>
+              <a:t>了</a:t>
+            </a:r>
+            <a:r>
+              <a:rPr lang="en-US" altLang="zh-CN" dirty="0" smtClean="0"/>
+              <a:t>beta</a:t>
+            </a:r>
+            <a:r>
+              <a:rPr lang="zh-CN" altLang="en-US" dirty="0" smtClean="0"/>
+              <a:t>版本，即</a:t>
+            </a:r>
+            <a:r>
+              <a:rPr lang="en-US" altLang="zh-CN" dirty="0" smtClean="0"/>
+              <a:t>1</a:t>
+            </a:r>
+            <a:r>
+              <a:rPr lang="zh-CN" altLang="en-US" dirty="0" smtClean="0"/>
+              <a:t>主集群和</a:t>
+            </a:r>
+            <a:r>
+              <a:rPr lang="en-US" altLang="zh-CN" dirty="0" smtClean="0"/>
+              <a:t>n</a:t>
+            </a:r>
+            <a:r>
+              <a:rPr lang="zh-CN" altLang="en-US" dirty="0" smtClean="0"/>
+              <a:t>从集群之间</a:t>
+            </a:r>
+            <a:r>
+              <a:rPr lang="zh-CN" altLang="en-US" dirty="0" smtClean="0"/>
+              <a:t>同步，支持同步创建输出</a:t>
+            </a:r>
+            <a:r>
+              <a:rPr lang="en-US" altLang="zh-CN" dirty="0" err="1" smtClean="0"/>
+              <a:t>dbs</a:t>
+            </a:r>
+            <a:r>
+              <a:rPr lang="zh-CN" altLang="en-US" dirty="0" smtClean="0"/>
+              <a:t>、</a:t>
+            </a:r>
+            <a:r>
+              <a:rPr lang="en-US" altLang="zh-CN" dirty="0" smtClean="0"/>
+              <a:t>collection</a:t>
+            </a:r>
+            <a:r>
+              <a:rPr lang="zh-CN" altLang="en-US" dirty="0" smtClean="0"/>
+              <a:t>、</a:t>
+            </a:r>
+            <a:r>
+              <a:rPr lang="en-US" altLang="zh-CN" dirty="0" smtClean="0"/>
+              <a:t>index</a:t>
+            </a:r>
+            <a:r>
+              <a:rPr lang="zh-CN" altLang="en-US" dirty="0" smtClean="0"/>
+              <a:t>以及数据的增删改操作，如果有遗漏的数据操作方式，再进行添加。</a:t>
+            </a:r>
+            <a:endParaRPr lang="en-US" altLang="zh-CN" dirty="0" smtClean="0"/>
+          </a:p>
+          <a:p>
+            <a:r>
+              <a:rPr lang="en-US" altLang="zh-CN" dirty="0" smtClean="0"/>
+              <a:t>Client</a:t>
+            </a:r>
+            <a:r>
+              <a:rPr lang="zh-CN" altLang="en-US" dirty="0" smtClean="0"/>
+              <a:t>在</a:t>
+            </a:r>
+            <a:r>
+              <a:rPr lang="en-US" altLang="zh-CN" dirty="0" smtClean="0"/>
+              <a:t>server</a:t>
+            </a:r>
+            <a:r>
+              <a:rPr lang="zh-CN" altLang="en-US" dirty="0" smtClean="0"/>
+              <a:t>断开后定时重连</a:t>
+            </a:r>
+            <a:endParaRPr lang="en-US" altLang="zh-CN" dirty="0" smtClean="0"/>
+          </a:p>
+          <a:p>
+            <a:r>
+              <a:rPr lang="en-US" altLang="zh-CN" dirty="0" smtClean="0"/>
+              <a:t>Server</a:t>
+            </a:r>
+            <a:r>
+              <a:rPr lang="zh-CN" altLang="en-US" dirty="0" smtClean="0"/>
+              <a:t>在</a:t>
+            </a:r>
+            <a:r>
+              <a:rPr lang="en-US" altLang="zh-CN" dirty="0" smtClean="0"/>
+              <a:t>client</a:t>
+            </a:r>
+            <a:r>
+              <a:rPr lang="zh-CN" altLang="en-US" dirty="0" smtClean="0"/>
+              <a:t>断开后将它踢出同步队列</a:t>
+            </a:r>
+            <a:endParaRPr lang="en-US" altLang="zh-CN" dirty="0" smtClean="0"/>
+          </a:p>
+          <a:p>
+            <a:r>
+              <a:rPr lang="zh-CN" altLang="en-US" dirty="0" smtClean="0"/>
+              <a:t>缺乏跨机房同步的测试</a:t>
+            </a:r>
+            <a:endParaRPr lang="en-US" altLang="zh-CN" dirty="0" smtClean="0"/>
+          </a:p>
+          <a:p>
+            <a:r>
+              <a:rPr lang="zh-CN" altLang="en-US" dirty="0" smtClean="0"/>
+              <a:t>缺乏大数据量并发的测试</a:t>
+            </a:r>
+            <a:endParaRPr lang="zh-CN" altLang="en-US" dirty="0"/>
+          </a:p>
+        </p:txBody>
+      </p:sp>
+    </p:spTree>
+  </p:cSld>
+  <p:clrMapOvr>
+    <a:masterClrMapping/>
+  </p:clrMapOvr>
+  <p:timing>
+    <p:tnLst>
+      <p:par>
+        <p:cTn id="1" dur="indefinite" restart="never" nodeType="tmRoot"/>
+      </p:par>
+    </p:tnLst>
+  </p:timing>
+</p:sld>
+</file>
+
+<file path=ppt/slides/slide13.xml><?xml version="1.0" encoding="utf-8"?>
+<p:sld xmlns:a="http://schemas.openxmlformats.org/drawingml/2006/main" xmlns:r="http://schemas.openxmlformats.org/officeDocument/2006/relationships" xmlns:p="http://schemas.openxmlformats.org/presentationml/2006/main">
+  <p:cSld>
+    <p:spTree>
+      <p:nvGrpSpPr>
+        <p:cNvPr id="1" name=""/>
+        <p:cNvGrpSpPr/>
+        <p:nvPr/>
+      </p:nvGrpSpPr>
+      <p:grpSpPr>
+        <a:xfrm>
+          <a:off x="0" y="0"/>
+          <a:ext cx="0" cy="0"/>
+          <a:chOff x="0" y="0"/>
+          <a:chExt cx="0" cy="0"/>
+        </a:xfrm>
+      </p:grpSpPr>
+      <p:sp>
+        <p:nvSpPr>
+          <p:cNvPr id="2" name="标题 1"/>
+          <p:cNvSpPr>
+            <a:spLocks noGrp="1"/>
+          </p:cNvSpPr>
+          <p:nvPr>
+            <p:ph type="title"/>
+          </p:nvPr>
+        </p:nvSpPr>
+        <p:spPr/>
+        <p:txBody>
+          <a:bodyPr/>
+          <a:lstStyle/>
+          <a:p>
+            <a:r>
+              <a:rPr lang="zh-CN" altLang="en-US" dirty="0" smtClean="0"/>
               <a:t>存在的问题</a:t>
             </a:r>
             <a:endParaRPr lang="zh-CN" altLang="en-US" dirty="0"/>
@@ -8524,7 +11028,7 @@
         <p:spPr/>
         <p:txBody>
           <a:bodyPr>
-            <a:normAutofit/>
+            <a:normAutofit lnSpcReduction="10000"/>
           </a:bodyPr>
           <a:lstStyle/>
           <a:p>
@@ -8558,17 +11062,34 @@
             </a:r>
             <a:r>
               <a:rPr lang="zh-CN" altLang="en-US" dirty="0" smtClean="0"/>
-              <a:t>发送的在二进制后解压缩不正常</a:t>
-            </a:r>
-            <a:endParaRPr lang="en-US" altLang="zh-CN" dirty="0" smtClean="0"/>
-          </a:p>
-          <a:p>
+              <a:t>发送的在二进制后解压缩不</a:t>
+            </a:r>
+            <a:r>
+              <a:rPr lang="zh-CN" altLang="en-US" dirty="0" smtClean="0"/>
+              <a:t>正常。所以在现在的实现中，只</a:t>
+            </a:r>
+            <a:r>
+              <a:rPr lang="en-US" altLang="zh-CN" dirty="0" smtClean="0"/>
+              <a:t>server</a:t>
+            </a:r>
+            <a:r>
+              <a:rPr lang="zh-CN" altLang="en-US" dirty="0" smtClean="0"/>
+              <a:t>给</a:t>
+            </a:r>
             <a:r>
               <a:rPr lang="en-US" altLang="zh-CN" dirty="0" smtClean="0"/>
               <a:t>client</a:t>
             </a:r>
             <a:r>
               <a:rPr lang="zh-CN" altLang="en-US" dirty="0" smtClean="0"/>
+              <a:t>发送的信息是可压缩二进制，</a:t>
+            </a:r>
+            <a:r>
+              <a:rPr lang="en-US" altLang="zh-CN" dirty="0" smtClean="0"/>
+              <a:t>client</a:t>
+            </a:r>
+            <a:r>
+              <a:rPr lang="zh-CN" altLang="en-US" dirty="0" smtClean="0"/>
               <a:t>给</a:t>
             </a:r>
             <a:r>
@@ -8577,7 +11098,7 @@
             </a:r>
             <a:r>
               <a:rPr lang="zh-CN" altLang="en-US" dirty="0" smtClean="0"/>
-              <a:t>发送信息的时候，在第一次的通讯中（最少在这个阶段），在</a:t>
+              <a:t>的信息不是，不过</a:t>
             </a:r>
             <a:r>
               <a:rPr lang="en-US" altLang="zh-CN" dirty="0" smtClean="0"/>
@@ -8585,6 +11106,41 @@
             </a:r>
             <a:r>
               <a:rPr lang="zh-CN" altLang="en-US" dirty="0" smtClean="0"/>
+              <a:t>给</a:t>
+            </a:r>
+            <a:r>
+              <a:rPr lang="en-US" altLang="zh-CN" dirty="0" smtClean="0"/>
+              <a:t>server</a:t>
+            </a:r>
+            <a:r>
+              <a:rPr lang="zh-CN" altLang="en-US" dirty="0" smtClean="0"/>
+              <a:t>的信息也不大</a:t>
+            </a:r>
+            <a:endParaRPr lang="en-US" altLang="zh-CN" dirty="0" smtClean="0"/>
+          </a:p>
+          <a:p>
+            <a:r>
+              <a:rPr lang="en-US" altLang="zh-CN" dirty="0" smtClean="0"/>
+              <a:t>client</a:t>
+            </a:r>
+            <a:r>
+              <a:rPr lang="zh-CN" altLang="en-US" dirty="0" smtClean="0"/>
+              <a:t>给</a:t>
+            </a:r>
+            <a:r>
+              <a:rPr lang="en-US" altLang="zh-CN" dirty="0" smtClean="0"/>
+              <a:t>server</a:t>
+            </a:r>
+            <a:r>
+              <a:rPr lang="zh-CN" altLang="en-US" dirty="0" smtClean="0"/>
+              <a:t>发送信息的时候，在第一次的通讯中（最少在这个阶段），在</a:t>
+            </a:r>
+            <a:r>
+              <a:rPr lang="en-US" altLang="zh-CN" dirty="0" smtClean="0"/>
+              <a:t>client</a:t>
+            </a:r>
+            <a:r>
+              <a:rPr lang="zh-CN" altLang="en-US" dirty="0" smtClean="0"/>
               <a:t>监听的</a:t>
             </a:r>
             <a:r>
@@ -8593,15 +11149,11 @@
             </a:r>
             <a:r>
               <a:rPr lang="zh-CN" altLang="en-US" dirty="0" smtClean="0"/>
-              <a:t>事件也会收到这</a:t>
-            </a:r>
-            <a:r>
-              <a:rPr lang="zh-CN" altLang="en-US" smtClean="0"/>
-              <a:t>段</a:t>
-            </a:r>
-            <a:r>
-              <a:rPr lang="zh-CN" altLang="en-US" smtClean="0"/>
-              <a:t>内容</a:t>
+              <a:t>事件也会收到这段</a:t>
+            </a:r>
+            <a:r>
+              <a:rPr lang="zh-CN" altLang="en-US" dirty="0" smtClean="0"/>
+              <a:t>内容。</a:t>
             </a:r>
             <a:endParaRPr lang="en-US" altLang="zh-CN" dirty="0" smtClean="0"/>
           </a:p>
@@ -8615,7 +11167,7 @@
 </p:sld>
 </file>
 
-<file path=ppt/slides/slide13.xml><?xml version="1.0" encoding="utf-8"?>
+<file path=ppt/slides/slide14.xml><?xml version="1.0" encoding="utf-8"?>
 <p:sld xmlns:a="http://schemas.openxmlformats.org/drawingml/2006/main" xmlns:r="http://schemas.openxmlformats.org/officeDocument/2006/relationships" xmlns:p="http://schemas.openxmlformats.org/presentationml/2006/main">
   <p:cSld>
     <p:spTree>
@@ -8785,150 +11337,6 @@
               <a:ea typeface="+mj-ea"/>
               <a:cs typeface="+mj-cs"/>
             </a:endParaRPr>
-          </a:p>
-        </p:txBody>
-      </p:sp>
-    </p:spTree>
-  </p:cSld>
-  <p:clrMapOvr>
-    <a:masterClrMapping/>
-  </p:clrMapOvr>
-  <p:timing>
-    <p:tnLst>
-      <p:par>
-        <p:cTn id="1" dur="indefinite" restart="never" nodeType="tmRoot"/>
-      </p:par>
-    </p:tnLst>
-  </p:timing>
-</p:sld>
-</file>
-
-<file path=ppt/slides/slide14.xml><?xml version="1.0" encoding="utf-8"?>
-<p:sld xmlns:a="http://schemas.openxmlformats.org/drawingml/2006/main" xmlns:r="http://schemas.openxmlformats.org/officeDocument/2006/relationships" xmlns:p="http://schemas.openxmlformats.org/presentationml/2006/main">
-  <p:cSld>
-    <p:spTree>
-      <p:nvGrpSpPr>
-        <p:cNvPr id="1" name=""/>
-        <p:cNvGrpSpPr/>
-        <p:nvPr/>
-      </p:nvGrpSpPr>
-      <p:grpSpPr>
-        <a:xfrm>
-          <a:off x="0" y="0"/>
-          <a:ext cx="0" cy="0"/>
-          <a:chOff x="0" y="0"/>
-          <a:chExt cx="0" cy="0"/>
-        </a:xfrm>
-      </p:grpSpPr>
-      <p:sp>
-        <p:nvSpPr>
-          <p:cNvPr id="2" name="标题 1"/>
-          <p:cNvSpPr>
-            <a:spLocks noGrp="1"/>
-          </p:cNvSpPr>
-          <p:nvPr>
-            <p:ph type="title"/>
-          </p:nvPr>
-        </p:nvSpPr>
-        <p:spPr/>
-        <p:txBody>
-          <a:bodyPr/>
-          <a:lstStyle/>
-          <a:p>
-            <a:r>
-              <a:rPr lang="zh-CN" altLang="en-US" dirty="0" smtClean="0"/>
-              <a:t>注意事项</a:t>
-            </a:r>
-            <a:endParaRPr lang="zh-CN" altLang="en-US" dirty="0"/>
-          </a:p>
-        </p:txBody>
-      </p:sp>
-      <p:sp>
-        <p:nvSpPr>
-          <p:cNvPr id="3" name="内容占位符 2"/>
-          <p:cNvSpPr>
-            <a:spLocks noGrp="1"/>
-          </p:cNvSpPr>
-          <p:nvPr>
-            <p:ph idx="1"/>
-          </p:nvPr>
-        </p:nvSpPr>
-        <p:spPr/>
-        <p:txBody>
-          <a:bodyPr>
-            <a:normAutofit/>
-          </a:bodyPr>
-          <a:lstStyle/>
-          <a:p>
-            <a:r>
-              <a:rPr lang="zh-CN" altLang="en-US" dirty="0" smtClean="0"/>
-              <a:t>由于</a:t>
-            </a:r>
-            <a:r>
-              <a:rPr lang="en-US" altLang="zh-CN" dirty="0" err="1" smtClean="0"/>
-              <a:t>Oplog.rs</a:t>
-            </a:r>
-            <a:r>
-              <a:rPr lang="zh-CN" altLang="en-US" dirty="0" smtClean="0"/>
-              <a:t>的大小是固定的，所以当数据量过大时，该表会覆盖之前的操作。因此，当需要完全同步的时候，应该考虑先从主集群中获取最新某个时间点的数据，然后通过该时间点</a:t>
-            </a:r>
-            <a:r>
-              <a:rPr lang="en-US" altLang="zh-CN" dirty="0" err="1" smtClean="0"/>
-              <a:t>oplog</a:t>
-            </a:r>
-            <a:r>
-              <a:rPr lang="zh-CN" altLang="en-US" dirty="0" smtClean="0"/>
-              <a:t>表中的最新记录的</a:t>
-            </a:r>
-            <a:r>
-              <a:rPr lang="en-US" altLang="zh-CN" dirty="0" err="1" smtClean="0"/>
-              <a:t>ts</a:t>
-            </a:r>
-            <a:r>
-              <a:rPr lang="zh-CN" altLang="en-US" dirty="0" smtClean="0"/>
-              <a:t>来进行同步，具体可在</a:t>
-            </a:r>
-            <a:r>
-              <a:rPr lang="en-US" altLang="zh-CN" dirty="0" err="1" smtClean="0"/>
-              <a:t>client.config.js</a:t>
-            </a:r>
-            <a:r>
-              <a:rPr lang="zh-CN" altLang="en-US" dirty="0" smtClean="0"/>
-              <a:t>的</a:t>
-            </a:r>
-            <a:r>
-              <a:rPr lang="en-US" altLang="zh-CN" dirty="0" err="1" smtClean="0"/>
-              <a:t>start_from_local_oplog_ts</a:t>
-            </a:r>
-            <a:r>
-              <a:rPr lang="zh-CN" altLang="en-US" dirty="0" smtClean="0"/>
-              <a:t>配置为</a:t>
-            </a:r>
-            <a:r>
-              <a:rPr lang="en-US" altLang="zh-CN" dirty="0" smtClean="0"/>
-              <a:t>true</a:t>
-            </a:r>
-            <a:r>
-              <a:rPr lang="zh-CN" altLang="en-US" dirty="0" smtClean="0"/>
-              <a:t>，默认为</a:t>
-            </a:r>
-            <a:r>
-              <a:rPr lang="en-US" altLang="zh-CN" dirty="0" smtClean="0"/>
-              <a:t>false</a:t>
-            </a:r>
-            <a:r>
-              <a:rPr lang="zh-CN" altLang="en-US" dirty="0" smtClean="0"/>
-              <a:t>（即在同步信息表中记录的最新</a:t>
-            </a:r>
-            <a:r>
-              <a:rPr lang="en-US" altLang="zh-CN" dirty="0" err="1" smtClean="0"/>
-              <a:t>ts</a:t>
-            </a:r>
-            <a:r>
-              <a:rPr lang="zh-CN" altLang="en-US" dirty="0" smtClean="0"/>
-              <a:t>开始）</a:t>
-            </a:r>
-            <a:endParaRPr lang="zh-CN" altLang="en-US" dirty="0"/>
           </a:p>
         </p:txBody>
       </p:sp>
@@ -8979,6 +11387,150 @@
           <a:bodyPr/>
           <a:lstStyle/>
           <a:p>
+            <a:r>
+              <a:rPr lang="zh-CN" altLang="en-US" dirty="0" smtClean="0"/>
+              <a:t>注意事项</a:t>
+            </a:r>
+            <a:endParaRPr lang="zh-CN" altLang="en-US" dirty="0"/>
+          </a:p>
+        </p:txBody>
+      </p:sp>
+      <p:sp>
+        <p:nvSpPr>
+          <p:cNvPr id="3" name="内容占位符 2"/>
+          <p:cNvSpPr>
+            <a:spLocks noGrp="1"/>
+          </p:cNvSpPr>
+          <p:nvPr>
+            <p:ph idx="1"/>
+          </p:nvPr>
+        </p:nvSpPr>
+        <p:spPr/>
+        <p:txBody>
+          <a:bodyPr>
+            <a:normAutofit/>
+          </a:bodyPr>
+          <a:lstStyle/>
+          <a:p>
+            <a:r>
+              <a:rPr lang="zh-CN" altLang="en-US" dirty="0" smtClean="0"/>
+              <a:t>由于</a:t>
+            </a:r>
+            <a:r>
+              <a:rPr lang="en-US" altLang="zh-CN" dirty="0" err="1" smtClean="0"/>
+              <a:t>Oplog.rs</a:t>
+            </a:r>
+            <a:r>
+              <a:rPr lang="zh-CN" altLang="en-US" dirty="0" smtClean="0"/>
+              <a:t>的大小是固定的，所以当数据量过大时，该表会覆盖之前的操作。因此，当需要完全同步的时候，应该考虑先从主集群中获取最新某个时间点的数据，然后通过该时间点</a:t>
+            </a:r>
+            <a:r>
+              <a:rPr lang="en-US" altLang="zh-CN" dirty="0" err="1" smtClean="0"/>
+              <a:t>oplog</a:t>
+            </a:r>
+            <a:r>
+              <a:rPr lang="zh-CN" altLang="en-US" dirty="0" smtClean="0"/>
+              <a:t>表中的最新记录的</a:t>
+            </a:r>
+            <a:r>
+              <a:rPr lang="en-US" altLang="zh-CN" dirty="0" err="1" smtClean="0"/>
+              <a:t>ts</a:t>
+            </a:r>
+            <a:r>
+              <a:rPr lang="zh-CN" altLang="en-US" dirty="0" smtClean="0"/>
+              <a:t>来进行同步，具体可在</a:t>
+            </a:r>
+            <a:r>
+              <a:rPr lang="en-US" altLang="zh-CN" dirty="0" err="1" smtClean="0"/>
+              <a:t>client.config.js</a:t>
+            </a:r>
+            <a:r>
+              <a:rPr lang="zh-CN" altLang="en-US" dirty="0" smtClean="0"/>
+              <a:t>的</a:t>
+            </a:r>
+            <a:r>
+              <a:rPr lang="en-US" altLang="zh-CN" dirty="0" err="1" smtClean="0"/>
+              <a:t>start_from_local_oplog_ts</a:t>
+            </a:r>
+            <a:r>
+              <a:rPr lang="zh-CN" altLang="en-US" dirty="0" smtClean="0"/>
+              <a:t>配置为</a:t>
+            </a:r>
+            <a:r>
+              <a:rPr lang="en-US" altLang="zh-CN" dirty="0" smtClean="0"/>
+              <a:t>true</a:t>
+            </a:r>
+            <a:r>
+              <a:rPr lang="zh-CN" altLang="en-US" dirty="0" smtClean="0"/>
+              <a:t>，默认为</a:t>
+            </a:r>
+            <a:r>
+              <a:rPr lang="en-US" altLang="zh-CN" dirty="0" smtClean="0"/>
+              <a:t>false</a:t>
+            </a:r>
+            <a:r>
+              <a:rPr lang="zh-CN" altLang="en-US" dirty="0" smtClean="0"/>
+              <a:t>（即在同步信息表中记录的最新</a:t>
+            </a:r>
+            <a:r>
+              <a:rPr lang="en-US" altLang="zh-CN" dirty="0" err="1" smtClean="0"/>
+              <a:t>ts</a:t>
+            </a:r>
+            <a:r>
+              <a:rPr lang="zh-CN" altLang="en-US" dirty="0" smtClean="0"/>
+              <a:t>开始）</a:t>
+            </a:r>
+            <a:endParaRPr lang="zh-CN" altLang="en-US" dirty="0"/>
+          </a:p>
+        </p:txBody>
+      </p:sp>
+    </p:spTree>
+  </p:cSld>
+  <p:clrMapOvr>
+    <a:masterClrMapping/>
+  </p:clrMapOvr>
+  <p:timing>
+    <p:tnLst>
+      <p:par>
+        <p:cTn id="1" dur="indefinite" restart="never" nodeType="tmRoot"/>
+      </p:par>
+    </p:tnLst>
+  </p:timing>
+</p:sld>
+</file>
+
+<file path=ppt/slides/slide16.xml><?xml version="1.0" encoding="utf-8"?>
+<p:sld xmlns:a="http://schemas.openxmlformats.org/drawingml/2006/main" xmlns:r="http://schemas.openxmlformats.org/officeDocument/2006/relationships" xmlns:p="http://schemas.openxmlformats.org/presentationml/2006/main">
+  <p:cSld>
+    <p:spTree>
+      <p:nvGrpSpPr>
+        <p:cNvPr id="1" name=""/>
+        <p:cNvGrpSpPr/>
+        <p:nvPr/>
+      </p:nvGrpSpPr>
+      <p:grpSpPr>
+        <a:xfrm>
+          <a:off x="0" y="0"/>
+          <a:ext cx="0" cy="0"/>
+          <a:chOff x="0" y="0"/>
+          <a:chExt cx="0" cy="0"/>
+        </a:xfrm>
+      </p:grpSpPr>
+      <p:sp>
+        <p:nvSpPr>
+          <p:cNvPr id="2" name="标题 1"/>
+          <p:cNvSpPr>
+            <a:spLocks noGrp="1"/>
+          </p:cNvSpPr>
+          <p:nvPr>
+            <p:ph type="title"/>
+          </p:nvPr>
+        </p:nvSpPr>
+        <p:spPr/>
+        <p:txBody>
+          <a:bodyPr/>
+          <a:lstStyle/>
+          <a:p>
             <a:endParaRPr lang="zh-CN" altLang="en-US" dirty="0"/>
           </a:p>
         </p:txBody>
@@ -9125,21 +11677,37 @@
             </a:r>
             <a:r>
               <a:rPr lang="zh-CN" altLang="en-US" dirty="0" smtClean="0"/>
-              <a:t>的新版本中有这样的支持，那么是最好的解决途径。期待</a:t>
-            </a:r>
-            <a:r>
-              <a:rPr lang="en-US" altLang="zh-CN" dirty="0" err="1" smtClean="0"/>
-              <a:t>ing</a:t>
-            </a:r>
-            <a:r>
-              <a:rPr lang="en-US" altLang="zh-CN" dirty="0" smtClean="0"/>
-              <a:t>…</a:t>
-            </a:r>
-          </a:p>
-          <a:p>
+              <a:t>的新版本中有这样的支持，那么是最好的解决</a:t>
+            </a:r>
             <a:r>
               <a:rPr lang="zh-CN" altLang="en-US" dirty="0" smtClean="0"/>
-              <a:t>考虑到未来的扩展，应支持一个主集群与多地子集群之间可同步性</a:t>
+              <a:t>途径</a:t>
+            </a:r>
+            <a:r>
+              <a:rPr lang="zh-CN" altLang="en-US" dirty="0" smtClean="0"/>
+              <a:t>。</a:t>
+            </a:r>
+            <a:endParaRPr lang="en-US" altLang="zh-CN" dirty="0" smtClean="0"/>
+          </a:p>
+          <a:p>
+            <a:r>
+              <a:rPr lang="zh-CN" altLang="en-US" dirty="0" smtClean="0"/>
+              <a:t>考虑</a:t>
+            </a:r>
+            <a:r>
+              <a:rPr lang="zh-CN" altLang="en-US" dirty="0" smtClean="0"/>
+              <a:t>到未来的扩展，应支持一个主集群与多地子集群之间可</a:t>
+            </a:r>
+            <a:r>
+              <a:rPr lang="zh-CN" altLang="en-US" dirty="0" smtClean="0"/>
+              <a:t>同步性</a:t>
+            </a:r>
+            <a:endParaRPr lang="en-US" altLang="zh-CN" dirty="0" smtClean="0"/>
+          </a:p>
+          <a:p>
+            <a:r>
+              <a:rPr lang="zh-CN" altLang="en-US" dirty="0" smtClean="0"/>
+              <a:t>更方便的配置</a:t>
             </a:r>
             <a:endParaRPr lang="en-US" altLang="zh-CN" dirty="0" smtClean="0"/>
           </a:p>
@@ -9213,7 +11781,12 @@
             <p:ph idx="1"/>
           </p:nvPr>
         </p:nvSpPr>
-        <p:spPr/>
+        <p:spPr>
+          <a:xfrm>
+            <a:off x="457200" y="1142984"/>
+            <a:ext cx="8229600" cy="5500726"/>
+          </a:xfrm>
+        </p:spPr>
         <p:txBody>
           <a:bodyPr>
             <a:normAutofit fontScale="70000" lnSpcReduction="20000"/>
@@ -9264,6 +11837,9 @@
             <a:endParaRPr lang="en-US" altLang="zh-CN" dirty="0" smtClean="0"/>
           </a:p>
           <a:p>
+            <a:endParaRPr lang="en-US" altLang="zh-CN" dirty="0" smtClean="0"/>
+          </a:p>
+          <a:p>
             <a:pPr>
               <a:buNone/>
             </a:pPr>
@@ -9290,7 +11866,22 @@
           <a:p>
             <a:r>
               <a:rPr lang="zh-CN" altLang="en-US" dirty="0" smtClean="0"/>
-              <a:t>数据在超过一定的量时，需要进行压缩传输</a:t>
+              <a:t>数据在超过一定的量时，需要进行压缩</a:t>
+            </a:r>
+            <a:r>
+              <a:rPr lang="zh-CN" altLang="en-US" dirty="0" smtClean="0"/>
+              <a:t>传输</a:t>
+            </a:r>
+            <a:endParaRPr lang="en-US" altLang="zh-CN" dirty="0" smtClean="0"/>
+          </a:p>
+          <a:p>
+            <a:r>
+              <a:rPr lang="zh-CN" altLang="en-US" dirty="0" smtClean="0"/>
+              <a:t>通讯协议</a:t>
+            </a:r>
+            <a:r>
+              <a:rPr lang="en-US" altLang="zh-CN" dirty="0" smtClean="0"/>
+              <a:t>:                                                         ……</a:t>
             </a:r>
             <a:endParaRPr lang="en-US" altLang="zh-CN" dirty="0" smtClean="0"/>
           </a:p>
@@ -9308,7 +11899,7 @@
           <p:nvPr/>
         </p:nvGraphicFramePr>
         <p:xfrm>
-          <a:off x="785786" y="2000240"/>
+          <a:off x="785786" y="1571612"/>
           <a:ext cx="7858180" cy="2595880"/>
         </p:xfrm>
         <a:graphic>
@@ -9839,6 +12430,219 @@
           </a:graphicData>
         </a:graphic>
       </p:graphicFrame>
+      <p:graphicFrame>
+        <p:nvGraphicFramePr>
+          <p:cNvPr id="5" name="表格 4"/>
+          <p:cNvGraphicFramePr>
+            <a:graphicFrameLocks noGrp="1"/>
+          </p:cNvGraphicFramePr>
+          <p:nvPr/>
+        </p:nvGraphicFramePr>
+        <p:xfrm>
+          <a:off x="2285984" y="5786454"/>
+          <a:ext cx="3357584" cy="370840"/>
+        </p:xfrm>
+        <a:graphic>
+          <a:graphicData uri="http://schemas.openxmlformats.org/drawingml/2006/table">
+            <a:tbl>
+              <a:tblPr firstRow="1" bandRow="1">
+                <a:tableStyleId>{5C22544A-7EE6-4342-B048-85BDC9FD1C3A}</a:tableStyleId>
+              </a:tblPr>
+              <a:tblGrid>
+                <a:gridCol w="614624"/>
+                <a:gridCol w="228580"/>
+                <a:gridCol w="228580"/>
+                <a:gridCol w="228580"/>
+                <a:gridCol w="228580"/>
+                <a:gridCol w="228580"/>
+                <a:gridCol w="228580"/>
+                <a:gridCol w="228580"/>
+                <a:gridCol w="228580"/>
+                <a:gridCol w="228580"/>
+                <a:gridCol w="228580"/>
+                <a:gridCol w="228580"/>
+                <a:gridCol w="228580"/>
+              </a:tblGrid>
+              <a:tr h="370840">
+                <a:tc>
+                  <a:txBody>
+                    <a:bodyPr/>
+                    <a:lstStyle/>
+                    <a:p>
+                      <a:r>
+                        <a:rPr lang="en-US" altLang="zh-CN" dirty="0" smtClean="0"/>
+                        <a:t>type</a:t>
+                      </a:r>
+                      <a:endParaRPr lang="zh-CN" altLang="en-US" dirty="0"/>
+                    </a:p>
+                  </a:txBody>
+                  <a:tcPr/>
+                </a:tc>
+                <a:tc>
+                  <a:txBody>
+                    <a:bodyPr/>
+                    <a:lstStyle/>
+                    <a:p>
+                      <a:r>
+                        <a:rPr lang="en-US" altLang="zh-CN" dirty="0" smtClean="0"/>
+                        <a:t>l</a:t>
+                      </a:r>
+                      <a:endParaRPr lang="zh-CN" altLang="en-US" dirty="0"/>
+                    </a:p>
+                  </a:txBody>
+                  <a:tcPr/>
+                </a:tc>
+                <a:tc>
+                  <a:txBody>
+                    <a:bodyPr/>
+                    <a:lstStyle/>
+                    <a:p>
+                      <a:r>
+                        <a:rPr lang="en-US" altLang="zh-CN" dirty="0" smtClean="0"/>
+                        <a:t>e</a:t>
+                      </a:r>
+                      <a:endParaRPr lang="zh-CN" altLang="en-US" dirty="0"/>
+                    </a:p>
+                  </a:txBody>
+                  <a:tcPr/>
+                </a:tc>
+                <a:tc>
+                  <a:txBody>
+                    <a:bodyPr/>
+                    <a:lstStyle/>
+                    <a:p>
+                      <a:r>
+                        <a:rPr lang="en-US" altLang="zh-CN" dirty="0" smtClean="0"/>
+                        <a:t>n</a:t>
+                      </a:r>
+                      <a:endParaRPr lang="zh-CN" altLang="en-US" dirty="0"/>
+                    </a:p>
+                  </a:txBody>
+                  <a:tcPr/>
+                </a:tc>
+                <a:tc>
+                  <a:txBody>
+                    <a:bodyPr/>
+                    <a:lstStyle/>
+                    <a:p>
+                      <a:r>
+                        <a:rPr lang="en-US" altLang="zh-CN" dirty="0" smtClean="0"/>
+                        <a:t>g</a:t>
+                      </a:r>
+                      <a:endParaRPr lang="zh-CN" altLang="en-US" dirty="0"/>
+                    </a:p>
+                  </a:txBody>
+                  <a:tcPr/>
+                </a:tc>
+                <a:tc>
+                  <a:txBody>
+                    <a:bodyPr/>
+                    <a:lstStyle/>
+                    <a:p>
+                      <a:r>
+                        <a:rPr lang="en-US" altLang="zh-CN" dirty="0" smtClean="0"/>
+                        <a:t>t</a:t>
+                      </a:r>
+                      <a:endParaRPr lang="zh-CN" altLang="en-US" dirty="0"/>
+                    </a:p>
+                  </a:txBody>
+                  <a:tcPr/>
+                </a:tc>
+                <a:tc>
+                  <a:txBody>
+                    <a:bodyPr/>
+                    <a:lstStyle/>
+                    <a:p>
+                      <a:r>
+                        <a:rPr lang="en-US" altLang="zh-CN" dirty="0" smtClean="0"/>
+                        <a:t>h</a:t>
+                      </a:r>
+                      <a:endParaRPr lang="zh-CN" altLang="en-US" dirty="0"/>
+                    </a:p>
+                  </a:txBody>
+                  <a:tcPr/>
+                </a:tc>
+                <a:tc>
+                  <a:txBody>
+                    <a:bodyPr/>
+                    <a:lstStyle/>
+                    <a:p>
+                      <a:r>
+                        <a:rPr lang="en-US" altLang="zh-CN" dirty="0" smtClean="0"/>
+                        <a:t>(</a:t>
+                      </a:r>
+                      <a:endParaRPr lang="zh-CN" altLang="en-US" dirty="0"/>
+                    </a:p>
+                  </a:txBody>
+                  <a:tcPr/>
+                </a:tc>
+                <a:tc>
+                  <a:txBody>
+                    <a:bodyPr/>
+                    <a:lstStyle/>
+                    <a:p>
+                      <a:endParaRPr lang="zh-CN" altLang="en-US" dirty="0"/>
+                    </a:p>
+                  </a:txBody>
+                  <a:tcPr/>
+                </a:tc>
+                <a:tc>
+                  <a:txBody>
+                    <a:bodyPr/>
+                    <a:lstStyle/>
+                    <a:p>
+                      <a:r>
+                        <a:rPr lang="en-US" altLang="zh-CN" dirty="0" smtClean="0"/>
+                        <a:t>1</a:t>
+                      </a:r>
+                      <a:endParaRPr lang="zh-CN" altLang="en-US" dirty="0"/>
+                    </a:p>
+                  </a:txBody>
+                  <a:tcPr/>
+                </a:tc>
+                <a:tc>
+                  <a:txBody>
+                    <a:bodyPr/>
+                    <a:lstStyle/>
+                    <a:p>
+                      <a:r>
+                        <a:rPr lang="en-US" altLang="zh-CN" dirty="0" smtClean="0"/>
+                        <a:t>2</a:t>
+                      </a:r>
+                      <a:endParaRPr lang="zh-CN" altLang="en-US" dirty="0"/>
+                    </a:p>
+                  </a:txBody>
+                  <a:tcPr/>
+                </a:tc>
+                <a:tc>
+                  <a:txBody>
+                    <a:bodyPr/>
+                    <a:lstStyle/>
+                    <a:p>
+                      <a:endParaRPr lang="zh-CN" altLang="en-US" dirty="0"/>
+                    </a:p>
+                  </a:txBody>
+                  <a:tcPr/>
+                </a:tc>
+                <a:tc>
+                  <a:txBody>
+                    <a:bodyPr/>
+                    <a:lstStyle/>
+                    <a:p>
+                      <a:r>
+                        <a:rPr lang="en-US" altLang="zh-CN" dirty="0" smtClean="0"/>
+                        <a:t>)</a:t>
+                      </a:r>
+                      <a:endParaRPr lang="zh-CN" altLang="en-US" dirty="0"/>
+                    </a:p>
+                  </a:txBody>
+                  <a:tcPr/>
+                </a:tc>
+              </a:tr>
+            </a:tbl>
+          </a:graphicData>
+        </a:graphic>
+      </p:graphicFrame>
     </p:spTree>
   </p:cSld>
   <p:clrMapOvr>
@@ -11151,16 +13955,6 @@
               <a:buNone/>
             </a:pPr>
             <a:r>
-              <a:rPr lang="zh-CN" altLang="en-US" dirty="0" smtClean="0"/>
-              <a:t>更新的最大超时时间（考虑是否可以加入报警）</a:t>
-            </a:r>
-            <a:endParaRPr lang="en-US" altLang="zh-CN" dirty="0" smtClean="0"/>
-          </a:p>
-          <a:p>
-            <a:pPr lvl="1">
-              <a:buNone/>
-            </a:pPr>
-            <a:r>
               <a:rPr lang="en-US" altLang="zh-CN" dirty="0" smtClean="0"/>
               <a:t>…</a:t>
             </a:r>
@@ -11419,48 +14213,85 @@
             </a:r>
             <a:r>
               <a:rPr lang="zh-CN" altLang="en-US" dirty="0" smtClean="0"/>
-              <a:t>通讯，轮询监控主集群的</a:t>
-            </a:r>
-            <a:r>
-              <a:rPr lang="en-US" dirty="0" smtClean="0"/>
-              <a:t>master</a:t>
+              <a:t>通讯，轮询监控主</a:t>
+            </a:r>
+            <a:r>
+              <a:rPr lang="zh-CN" altLang="en-US" dirty="0" smtClean="0"/>
+              <a:t>集群的</a:t>
+            </a:r>
+            <a:r>
+              <a:rPr lang="en-US" altLang="zh-CN" dirty="0" smtClean="0"/>
+              <a:t>local &gt; </a:t>
+            </a:r>
+            <a:r>
+              <a:rPr lang="en-US" dirty="0" err="1" smtClean="0"/>
+              <a:t>oplog.rs</a:t>
+            </a:r>
+            <a:r>
+              <a:rPr lang="zh-CN" altLang="en-US" dirty="0" smtClean="0"/>
+              <a:t>表</a:t>
+            </a:r>
+            <a:r>
+              <a:rPr lang="zh-CN" altLang="en-US" dirty="0" smtClean="0"/>
+              <a:t>，使用</a:t>
+            </a:r>
+            <a:r>
+              <a:rPr lang="en-US" altLang="zh-CN" dirty="0" err="1" smtClean="0"/>
+              <a:t>nodejs</a:t>
+            </a:r>
+            <a:r>
+              <a:rPr lang="en-US" altLang="zh-CN" dirty="0" smtClean="0"/>
+              <a:t>(0.5</a:t>
+            </a:r>
+            <a:r>
+              <a:rPr lang="zh-CN" altLang="en-US" dirty="0" smtClean="0"/>
+              <a:t>版本后</a:t>
+            </a:r>
+            <a:r>
+              <a:rPr lang="en-US" altLang="zh-CN" dirty="0" smtClean="0"/>
+              <a:t>)</a:t>
+            </a:r>
+            <a:r>
+              <a:rPr lang="zh-CN" altLang="en-US" dirty="0" smtClean="0"/>
+              <a:t>自</a:t>
+            </a:r>
+            <a:r>
+              <a:rPr lang="zh-CN" altLang="en-US" dirty="0" smtClean="0"/>
+              <a:t>带的</a:t>
+            </a:r>
+            <a:r>
+              <a:rPr lang="en-US" altLang="zh-CN" dirty="0" err="1" smtClean="0"/>
+              <a:t>zlib</a:t>
+            </a:r>
+            <a:r>
+              <a:rPr lang="zh-CN" altLang="en-US" dirty="0" smtClean="0"/>
+              <a:t>库中</a:t>
             </a:r>
             <a:r>
               <a:rPr lang="zh-CN" altLang="en-US" dirty="0" smtClean="0"/>
               <a:t>的</a:t>
             </a:r>
             <a:r>
-              <a:rPr lang="en-US" dirty="0" err="1" smtClean="0"/>
-              <a:t>oplog</a:t>
+              <a:rPr lang="en-US" altLang="zh-CN" dirty="0" err="1" smtClean="0"/>
+              <a:t>gzip</a:t>
             </a:r>
             <a:r>
               <a:rPr lang="zh-CN" altLang="en-US" dirty="0" smtClean="0"/>
-              <a:t>表，使用</a:t>
+              <a:t>压缩</a:t>
+            </a:r>
+            <a:r>
+              <a:rPr lang="zh-CN" altLang="en-US" dirty="0" smtClean="0"/>
+              <a:t>数据（</a:t>
             </a:r>
             <a:r>
               <a:rPr lang="en-US" altLang="zh-CN" dirty="0" err="1" smtClean="0"/>
-              <a:t>nodejs</a:t>
+              <a:t>gunzip</a:t>
             </a:r>
             <a:r>
               <a:rPr lang="zh-CN" altLang="en-US" dirty="0" smtClean="0"/>
-              <a:t>自带的</a:t>
-            </a:r>
-            <a:r>
-              <a:rPr lang="en-US" altLang="zh-CN" dirty="0" err="1" smtClean="0"/>
-              <a:t>zlib</a:t>
-            </a:r>
-            <a:r>
-              <a:rPr lang="zh-CN" altLang="en-US" dirty="0" smtClean="0"/>
-              <a:t>库中的</a:t>
-            </a:r>
-            <a:r>
-              <a:rPr lang="en-US" altLang="zh-CN" dirty="0" smtClean="0"/>
-              <a:t>zip</a:t>
-            </a:r>
-            <a:r>
-              <a:rPr lang="zh-CN" altLang="en-US" dirty="0" smtClean="0"/>
-              <a:t>压缩数据（轻量级，代码量小）</a:t>
-            </a:r>
+              <a:t>解压）</a:t>
+            </a:r>
+            <a:endParaRPr lang="zh-CN" altLang="en-US" dirty="0" smtClean="0"/>
           </a:p>
           <a:p>
             <a:pPr>
